--- a/presentations/MTP.pptx
+++ b/presentations/MTP.pptx
@@ -4,13 +4,17 @@
   <p:sldMasterIdLst>
     <p:sldMasterId id="2147483648" r:id="rId1"/>
   </p:sldMasterIdLst>
+  <p:notesMasterIdLst>
+    <p:notesMasterId r:id="rId9"/>
+  </p:notesMasterIdLst>
   <p:sldIdLst>
     <p:sldId id="256" r:id="rId2"/>
     <p:sldId id="257" r:id="rId3"/>
     <p:sldId id="258" r:id="rId4"/>
     <p:sldId id="259" r:id="rId5"/>
     <p:sldId id="261" r:id="rId6"/>
-    <p:sldId id="260" r:id="rId7"/>
+    <p:sldId id="262" r:id="rId7"/>
+    <p:sldId id="260" r:id="rId8"/>
   </p:sldIdLst>
   <p:sldSz cx="12192000" cy="6858000"/>
   <p:notesSz cx="6858000" cy="9144000"/>
@@ -118,6 +122,753 @@
 </file>
 
 <file path=ppt/diagrams/colors1.xml><?xml version="1.0" encoding="utf-8"?>
+<dgm:colorsDef xmlns:dgm="http://schemas.openxmlformats.org/drawingml/2006/diagram" xmlns:a="http://schemas.openxmlformats.org/drawingml/2006/main" uniqueId="urn:microsoft.com/office/officeart/2005/8/colors/accent1_2">
+  <dgm:title val=""/>
+  <dgm:desc val=""/>
+  <dgm:catLst>
+    <dgm:cat type="accent1" pri="11200"/>
+  </dgm:catLst>
+  <dgm:styleLbl name="node0">
+    <dgm:fillClrLst meth="repeat">
+      <a:schemeClr val="accent1"/>
+    </dgm:fillClrLst>
+    <dgm:linClrLst meth="repeat">
+      <a:schemeClr val="lt1"/>
+    </dgm:linClrLst>
+    <dgm:effectClrLst/>
+    <dgm:txLinClrLst/>
+    <dgm:txFillClrLst/>
+    <dgm:txEffectClrLst/>
+  </dgm:styleLbl>
+  <dgm:styleLbl name="alignNode1">
+    <dgm:fillClrLst meth="repeat">
+      <a:schemeClr val="accent1"/>
+    </dgm:fillClrLst>
+    <dgm:linClrLst meth="repeat">
+      <a:schemeClr val="accent1"/>
+    </dgm:linClrLst>
+    <dgm:effectClrLst/>
+    <dgm:txLinClrLst/>
+    <dgm:txFillClrLst/>
+    <dgm:txEffectClrLst/>
+  </dgm:styleLbl>
+  <dgm:styleLbl name="node1">
+    <dgm:fillClrLst meth="repeat">
+      <a:schemeClr val="accent1"/>
+    </dgm:fillClrLst>
+    <dgm:linClrLst meth="repeat">
+      <a:schemeClr val="lt1"/>
+    </dgm:linClrLst>
+    <dgm:effectClrLst/>
+    <dgm:txLinClrLst/>
+    <dgm:txFillClrLst/>
+    <dgm:txEffectClrLst/>
+  </dgm:styleLbl>
+  <dgm:styleLbl name="lnNode1">
+    <dgm:fillClrLst meth="repeat">
+      <a:schemeClr val="accent1"/>
+    </dgm:fillClrLst>
+    <dgm:linClrLst meth="repeat">
+      <a:schemeClr val="lt1"/>
+    </dgm:linClrLst>
+    <dgm:effectClrLst/>
+    <dgm:txLinClrLst/>
+    <dgm:txFillClrLst/>
+    <dgm:txEffectClrLst/>
+  </dgm:styleLbl>
+  <dgm:styleLbl name="vennNode1">
+    <dgm:fillClrLst meth="repeat">
+      <a:schemeClr val="accent1">
+        <a:alpha val="50000"/>
+      </a:schemeClr>
+    </dgm:fillClrLst>
+    <dgm:linClrLst meth="repeat">
+      <a:schemeClr val="lt1"/>
+    </dgm:linClrLst>
+    <dgm:effectClrLst/>
+    <dgm:txLinClrLst/>
+    <dgm:txFillClrLst/>
+    <dgm:txEffectClrLst/>
+  </dgm:styleLbl>
+  <dgm:styleLbl name="node2">
+    <dgm:fillClrLst meth="repeat">
+      <a:schemeClr val="accent1"/>
+    </dgm:fillClrLst>
+    <dgm:linClrLst meth="repeat">
+      <a:schemeClr val="lt1"/>
+    </dgm:linClrLst>
+    <dgm:effectClrLst/>
+    <dgm:txLinClrLst/>
+    <dgm:txFillClrLst/>
+    <dgm:txEffectClrLst/>
+  </dgm:styleLbl>
+  <dgm:styleLbl name="node3">
+    <dgm:fillClrLst meth="repeat">
+      <a:schemeClr val="accent1"/>
+    </dgm:fillClrLst>
+    <dgm:linClrLst meth="repeat">
+      <a:schemeClr val="lt1"/>
+    </dgm:linClrLst>
+    <dgm:effectClrLst/>
+    <dgm:txLinClrLst/>
+    <dgm:txFillClrLst/>
+    <dgm:txEffectClrLst/>
+  </dgm:styleLbl>
+  <dgm:styleLbl name="node4">
+    <dgm:fillClrLst meth="repeat">
+      <a:schemeClr val="accent1"/>
+    </dgm:fillClrLst>
+    <dgm:linClrLst meth="repeat">
+      <a:schemeClr val="lt1"/>
+    </dgm:linClrLst>
+    <dgm:effectClrLst/>
+    <dgm:txLinClrLst/>
+    <dgm:txFillClrLst/>
+    <dgm:txEffectClrLst/>
+  </dgm:styleLbl>
+  <dgm:styleLbl name="fgImgPlace1">
+    <dgm:fillClrLst meth="repeat">
+      <a:schemeClr val="accent1">
+        <a:tint val="50000"/>
+      </a:schemeClr>
+    </dgm:fillClrLst>
+    <dgm:linClrLst meth="repeat">
+      <a:schemeClr val="lt1"/>
+    </dgm:linClrLst>
+    <dgm:effectClrLst/>
+    <dgm:txLinClrLst/>
+    <dgm:txFillClrLst meth="repeat">
+      <a:schemeClr val="lt1"/>
+    </dgm:txFillClrLst>
+    <dgm:txEffectClrLst/>
+  </dgm:styleLbl>
+  <dgm:styleLbl name="alignImgPlace1">
+    <dgm:fillClrLst meth="repeat">
+      <a:schemeClr val="accent1">
+        <a:tint val="50000"/>
+      </a:schemeClr>
+    </dgm:fillClrLst>
+    <dgm:linClrLst meth="repeat">
+      <a:schemeClr val="lt1"/>
+    </dgm:linClrLst>
+    <dgm:effectClrLst/>
+    <dgm:txLinClrLst/>
+    <dgm:txFillClrLst meth="repeat">
+      <a:schemeClr val="lt1"/>
+    </dgm:txFillClrLst>
+    <dgm:txEffectClrLst/>
+  </dgm:styleLbl>
+  <dgm:styleLbl name="bgImgPlace1">
+    <dgm:fillClrLst meth="repeat">
+      <a:schemeClr val="accent1">
+        <a:tint val="50000"/>
+      </a:schemeClr>
+    </dgm:fillClrLst>
+    <dgm:linClrLst meth="repeat">
+      <a:schemeClr val="lt1"/>
+    </dgm:linClrLst>
+    <dgm:effectClrLst/>
+    <dgm:txLinClrLst/>
+    <dgm:txFillClrLst meth="repeat">
+      <a:schemeClr val="lt1"/>
+    </dgm:txFillClrLst>
+    <dgm:txEffectClrLst/>
+  </dgm:styleLbl>
+  <dgm:styleLbl name="sibTrans2D1">
+    <dgm:fillClrLst meth="repeat">
+      <a:schemeClr val="accent1">
+        <a:tint val="60000"/>
+      </a:schemeClr>
+    </dgm:fillClrLst>
+    <dgm:linClrLst meth="repeat">
+      <a:schemeClr val="accent1">
+        <a:tint val="60000"/>
+      </a:schemeClr>
+    </dgm:linClrLst>
+    <dgm:effectClrLst/>
+    <dgm:txLinClrLst/>
+    <dgm:txFillClrLst/>
+    <dgm:txEffectClrLst/>
+  </dgm:styleLbl>
+  <dgm:styleLbl name="fgSibTrans2D1">
+    <dgm:fillClrLst meth="repeat">
+      <a:schemeClr val="accent1">
+        <a:tint val="60000"/>
+      </a:schemeClr>
+    </dgm:fillClrLst>
+    <dgm:linClrLst meth="repeat">
+      <a:schemeClr val="accent1">
+        <a:tint val="60000"/>
+      </a:schemeClr>
+    </dgm:linClrLst>
+    <dgm:effectClrLst/>
+    <dgm:txLinClrLst/>
+    <dgm:txFillClrLst/>
+    <dgm:txEffectClrLst/>
+  </dgm:styleLbl>
+  <dgm:styleLbl name="bgSibTrans2D1">
+    <dgm:fillClrLst meth="repeat">
+      <a:schemeClr val="accent1">
+        <a:tint val="60000"/>
+      </a:schemeClr>
+    </dgm:fillClrLst>
+    <dgm:linClrLst meth="repeat">
+      <a:schemeClr val="accent1">
+        <a:tint val="60000"/>
+      </a:schemeClr>
+    </dgm:linClrLst>
+    <dgm:effectClrLst/>
+    <dgm:txLinClrLst/>
+    <dgm:txFillClrLst/>
+    <dgm:txEffectClrLst/>
+  </dgm:styleLbl>
+  <dgm:styleLbl name="sibTrans1D1">
+    <dgm:fillClrLst meth="repeat">
+      <a:schemeClr val="accent1"/>
+    </dgm:fillClrLst>
+    <dgm:linClrLst meth="repeat">
+      <a:schemeClr val="accent1"/>
+    </dgm:linClrLst>
+    <dgm:effectClrLst/>
+    <dgm:txLinClrLst/>
+    <dgm:txFillClrLst meth="repeat">
+      <a:schemeClr val="tx1"/>
+    </dgm:txFillClrLst>
+    <dgm:txEffectClrLst/>
+  </dgm:styleLbl>
+  <dgm:styleLbl name="callout">
+    <dgm:fillClrLst meth="repeat">
+      <a:schemeClr val="accent1"/>
+    </dgm:fillClrLst>
+    <dgm:linClrLst meth="repeat">
+      <a:schemeClr val="accent1">
+        <a:tint val="50000"/>
+      </a:schemeClr>
+    </dgm:linClrLst>
+    <dgm:effectClrLst/>
+    <dgm:txLinClrLst/>
+    <dgm:txFillClrLst meth="repeat">
+      <a:schemeClr val="tx1"/>
+    </dgm:txFillClrLst>
+    <dgm:txEffectClrLst/>
+  </dgm:styleLbl>
+  <dgm:styleLbl name="asst0">
+    <dgm:fillClrLst meth="repeat">
+      <a:schemeClr val="accent1"/>
+    </dgm:fillClrLst>
+    <dgm:linClrLst meth="repeat">
+      <a:schemeClr val="lt1"/>
+    </dgm:linClrLst>
+    <dgm:effectClrLst/>
+    <dgm:txLinClrLst/>
+    <dgm:txFillClrLst/>
+    <dgm:txEffectClrLst/>
+  </dgm:styleLbl>
+  <dgm:styleLbl name="asst1">
+    <dgm:fillClrLst meth="repeat">
+      <a:schemeClr val="accent1"/>
+    </dgm:fillClrLst>
+    <dgm:linClrLst meth="repeat">
+      <a:schemeClr val="lt1"/>
+    </dgm:linClrLst>
+    <dgm:effectClrLst/>
+    <dgm:txLinClrLst/>
+    <dgm:txFillClrLst/>
+    <dgm:txEffectClrLst/>
+  </dgm:styleLbl>
+  <dgm:styleLbl name="asst2">
+    <dgm:fillClrLst meth="repeat">
+      <a:schemeClr val="accent1"/>
+    </dgm:fillClrLst>
+    <dgm:linClrLst meth="repeat">
+      <a:schemeClr val="lt1"/>
+    </dgm:linClrLst>
+    <dgm:effectClrLst/>
+    <dgm:txLinClrLst/>
+    <dgm:txFillClrLst/>
+    <dgm:txEffectClrLst/>
+  </dgm:styleLbl>
+  <dgm:styleLbl name="asst3">
+    <dgm:fillClrLst meth="repeat">
+      <a:schemeClr val="accent1"/>
+    </dgm:fillClrLst>
+    <dgm:linClrLst meth="repeat">
+      <a:schemeClr val="lt1"/>
+    </dgm:linClrLst>
+    <dgm:effectClrLst/>
+    <dgm:txLinClrLst/>
+    <dgm:txFillClrLst/>
+    <dgm:txEffectClrLst/>
+  </dgm:styleLbl>
+  <dgm:styleLbl name="asst4">
+    <dgm:fillClrLst meth="repeat">
+      <a:schemeClr val="accent1"/>
+    </dgm:fillClrLst>
+    <dgm:linClrLst meth="repeat">
+      <a:schemeClr val="lt1"/>
+    </dgm:linClrLst>
+    <dgm:effectClrLst/>
+    <dgm:txLinClrLst/>
+    <dgm:txFillClrLst/>
+    <dgm:txEffectClrLst/>
+  </dgm:styleLbl>
+  <dgm:styleLbl name="parChTrans2D1">
+    <dgm:fillClrLst meth="repeat">
+      <a:schemeClr val="accent1">
+        <a:tint val="60000"/>
+      </a:schemeClr>
+    </dgm:fillClrLst>
+    <dgm:linClrLst meth="repeat">
+      <a:schemeClr val="accent1">
+        <a:tint val="60000"/>
+      </a:schemeClr>
+    </dgm:linClrLst>
+    <dgm:effectClrLst/>
+    <dgm:txLinClrLst/>
+    <dgm:txFillClrLst meth="repeat">
+      <a:schemeClr val="lt1"/>
+    </dgm:txFillClrLst>
+    <dgm:txEffectClrLst/>
+  </dgm:styleLbl>
+  <dgm:styleLbl name="parChTrans2D2">
+    <dgm:fillClrLst meth="repeat">
+      <a:schemeClr val="accent1"/>
+    </dgm:fillClrLst>
+    <dgm:linClrLst meth="repeat">
+      <a:schemeClr val="accent1"/>
+    </dgm:linClrLst>
+    <dgm:effectClrLst/>
+    <dgm:txLinClrLst/>
+    <dgm:txFillClrLst meth="repeat">
+      <a:schemeClr val="lt1"/>
+    </dgm:txFillClrLst>
+    <dgm:txEffectClrLst/>
+  </dgm:styleLbl>
+  <dgm:styleLbl name="parChTrans2D3">
+    <dgm:fillClrLst meth="repeat">
+      <a:schemeClr val="accent1"/>
+    </dgm:fillClrLst>
+    <dgm:linClrLst meth="repeat">
+      <a:schemeClr val="accent1"/>
+    </dgm:linClrLst>
+    <dgm:effectClrLst/>
+    <dgm:txLinClrLst/>
+    <dgm:txFillClrLst meth="repeat">
+      <a:schemeClr val="lt1"/>
+    </dgm:txFillClrLst>
+    <dgm:txEffectClrLst/>
+  </dgm:styleLbl>
+  <dgm:styleLbl name="parChTrans2D4">
+    <dgm:fillClrLst meth="repeat">
+      <a:schemeClr val="accent1"/>
+    </dgm:fillClrLst>
+    <dgm:linClrLst meth="repeat">
+      <a:schemeClr val="accent1"/>
+    </dgm:linClrLst>
+    <dgm:effectClrLst/>
+    <dgm:txLinClrLst/>
+    <dgm:txFillClrLst meth="repeat">
+      <a:schemeClr val="lt1"/>
+    </dgm:txFillClrLst>
+    <dgm:txEffectClrLst/>
+  </dgm:styleLbl>
+  <dgm:styleLbl name="parChTrans1D1">
+    <dgm:fillClrLst meth="repeat">
+      <a:schemeClr val="accent1"/>
+    </dgm:fillClrLst>
+    <dgm:linClrLst meth="repeat">
+      <a:schemeClr val="accent1">
+        <a:shade val="60000"/>
+      </a:schemeClr>
+    </dgm:linClrLst>
+    <dgm:effectClrLst/>
+    <dgm:txLinClrLst/>
+    <dgm:txFillClrLst meth="repeat">
+      <a:schemeClr val="tx1"/>
+    </dgm:txFillClrLst>
+    <dgm:txEffectClrLst/>
+  </dgm:styleLbl>
+  <dgm:styleLbl name="parChTrans1D2">
+    <dgm:fillClrLst meth="repeat">
+      <a:schemeClr val="accent1"/>
+    </dgm:fillClrLst>
+    <dgm:linClrLst meth="repeat">
+      <a:schemeClr val="accent1">
+        <a:shade val="60000"/>
+      </a:schemeClr>
+    </dgm:linClrLst>
+    <dgm:effectClrLst/>
+    <dgm:txLinClrLst/>
+    <dgm:txFillClrLst meth="repeat">
+      <a:schemeClr val="tx1"/>
+    </dgm:txFillClrLst>
+    <dgm:txEffectClrLst/>
+  </dgm:styleLbl>
+  <dgm:styleLbl name="parChTrans1D3">
+    <dgm:fillClrLst meth="repeat">
+      <a:schemeClr val="accent1"/>
+    </dgm:fillClrLst>
+    <dgm:linClrLst meth="repeat">
+      <a:schemeClr val="accent1">
+        <a:shade val="80000"/>
+      </a:schemeClr>
+    </dgm:linClrLst>
+    <dgm:effectClrLst/>
+    <dgm:txLinClrLst/>
+    <dgm:txFillClrLst meth="repeat">
+      <a:schemeClr val="tx1"/>
+    </dgm:txFillClrLst>
+    <dgm:txEffectClrLst/>
+  </dgm:styleLbl>
+  <dgm:styleLbl name="parChTrans1D4">
+    <dgm:fillClrLst meth="repeat">
+      <a:schemeClr val="accent1"/>
+    </dgm:fillClrLst>
+    <dgm:linClrLst meth="repeat">
+      <a:schemeClr val="accent1">
+        <a:shade val="80000"/>
+      </a:schemeClr>
+    </dgm:linClrLst>
+    <dgm:effectClrLst/>
+    <dgm:txLinClrLst/>
+    <dgm:txFillClrLst meth="repeat">
+      <a:schemeClr val="tx1"/>
+    </dgm:txFillClrLst>
+    <dgm:txEffectClrLst/>
+  </dgm:styleLbl>
+  <dgm:styleLbl name="fgAcc1">
+    <dgm:fillClrLst meth="repeat">
+      <a:schemeClr val="lt1">
+        <a:alpha val="90000"/>
+      </a:schemeClr>
+    </dgm:fillClrLst>
+    <dgm:linClrLst meth="repeat">
+      <a:schemeClr val="accent1"/>
+    </dgm:linClrLst>
+    <dgm:effectClrLst/>
+    <dgm:txLinClrLst/>
+    <dgm:txFillClrLst meth="repeat">
+      <a:schemeClr val="dk1"/>
+    </dgm:txFillClrLst>
+    <dgm:txEffectClrLst/>
+  </dgm:styleLbl>
+  <dgm:styleLbl name="conFgAcc1">
+    <dgm:fillClrLst meth="repeat">
+      <a:schemeClr val="lt1">
+        <a:alpha val="90000"/>
+      </a:schemeClr>
+    </dgm:fillClrLst>
+    <dgm:linClrLst meth="repeat">
+      <a:schemeClr val="accent1"/>
+    </dgm:linClrLst>
+    <dgm:effectClrLst/>
+    <dgm:txLinClrLst/>
+    <dgm:txFillClrLst meth="repeat">
+      <a:schemeClr val="dk1"/>
+    </dgm:txFillClrLst>
+    <dgm:txEffectClrLst/>
+  </dgm:styleLbl>
+  <dgm:styleLbl name="alignAcc1">
+    <dgm:fillClrLst meth="repeat">
+      <a:schemeClr val="lt1">
+        <a:alpha val="90000"/>
+      </a:schemeClr>
+    </dgm:fillClrLst>
+    <dgm:linClrLst meth="repeat">
+      <a:schemeClr val="accent1"/>
+    </dgm:linClrLst>
+    <dgm:effectClrLst/>
+    <dgm:txLinClrLst/>
+    <dgm:txFillClrLst meth="repeat">
+      <a:schemeClr val="dk1"/>
+    </dgm:txFillClrLst>
+    <dgm:txEffectClrLst/>
+  </dgm:styleLbl>
+  <dgm:styleLbl name="trAlignAcc1">
+    <dgm:fillClrLst meth="repeat">
+      <a:schemeClr val="lt1">
+        <a:alpha val="40000"/>
+      </a:schemeClr>
+    </dgm:fillClrLst>
+    <dgm:linClrLst meth="repeat">
+      <a:schemeClr val="accent1"/>
+    </dgm:linClrLst>
+    <dgm:effectClrLst/>
+    <dgm:txLinClrLst/>
+    <dgm:txFillClrLst meth="repeat">
+      <a:schemeClr val="dk1"/>
+    </dgm:txFillClrLst>
+    <dgm:txEffectClrLst/>
+  </dgm:styleLbl>
+  <dgm:styleLbl name="bgAcc1">
+    <dgm:fillClrLst meth="repeat">
+      <a:schemeClr val="lt1">
+        <a:alpha val="90000"/>
+      </a:schemeClr>
+    </dgm:fillClrLst>
+    <dgm:linClrLst meth="repeat">
+      <a:schemeClr val="accent1"/>
+    </dgm:linClrLst>
+    <dgm:effectClrLst/>
+    <dgm:txLinClrLst/>
+    <dgm:txFillClrLst meth="repeat">
+      <a:schemeClr val="dk1"/>
+    </dgm:txFillClrLst>
+    <dgm:txEffectClrLst/>
+  </dgm:styleLbl>
+  <dgm:styleLbl name="solidFgAcc1">
+    <dgm:fillClrLst meth="repeat">
+      <a:schemeClr val="lt1"/>
+    </dgm:fillClrLst>
+    <dgm:linClrLst meth="repeat">
+      <a:schemeClr val="accent1"/>
+    </dgm:linClrLst>
+    <dgm:effectClrLst/>
+    <dgm:txLinClrLst/>
+    <dgm:txFillClrLst meth="repeat">
+      <a:schemeClr val="dk1"/>
+    </dgm:txFillClrLst>
+    <dgm:txEffectClrLst/>
+  </dgm:styleLbl>
+  <dgm:styleLbl name="solidAlignAcc1">
+    <dgm:fillClrLst meth="repeat">
+      <a:schemeClr val="lt1"/>
+    </dgm:fillClrLst>
+    <dgm:linClrLst meth="repeat">
+      <a:schemeClr val="accent1"/>
+    </dgm:linClrLst>
+    <dgm:effectClrLst/>
+    <dgm:txLinClrLst/>
+    <dgm:txFillClrLst meth="repeat">
+      <a:schemeClr val="dk1"/>
+    </dgm:txFillClrLst>
+    <dgm:txEffectClrLst/>
+  </dgm:styleLbl>
+  <dgm:styleLbl name="solidBgAcc1">
+    <dgm:fillClrLst meth="repeat">
+      <a:schemeClr val="lt1"/>
+    </dgm:fillClrLst>
+    <dgm:linClrLst meth="repeat">
+      <a:schemeClr val="accent1"/>
+    </dgm:linClrLst>
+    <dgm:effectClrLst/>
+    <dgm:txLinClrLst/>
+    <dgm:txFillClrLst meth="repeat">
+      <a:schemeClr val="dk1"/>
+    </dgm:txFillClrLst>
+    <dgm:txEffectClrLst/>
+  </dgm:styleLbl>
+  <dgm:styleLbl name="fgAccFollowNode1">
+    <dgm:fillClrLst meth="repeat">
+      <a:schemeClr val="accent1">
+        <a:alpha val="90000"/>
+        <a:tint val="40000"/>
+      </a:schemeClr>
+    </dgm:fillClrLst>
+    <dgm:linClrLst meth="repeat">
+      <a:schemeClr val="accent1">
+        <a:alpha val="90000"/>
+        <a:tint val="40000"/>
+      </a:schemeClr>
+    </dgm:linClrLst>
+    <dgm:effectClrLst/>
+    <dgm:txLinClrLst/>
+    <dgm:txFillClrLst meth="repeat">
+      <a:schemeClr val="dk1"/>
+    </dgm:txFillClrLst>
+    <dgm:txEffectClrLst/>
+  </dgm:styleLbl>
+  <dgm:styleLbl name="alignAccFollowNode1">
+    <dgm:fillClrLst meth="repeat">
+      <a:schemeClr val="accent1">
+        <a:alpha val="90000"/>
+        <a:tint val="40000"/>
+      </a:schemeClr>
+    </dgm:fillClrLst>
+    <dgm:linClrLst meth="repeat">
+      <a:schemeClr val="accent1">
+        <a:alpha val="90000"/>
+        <a:tint val="40000"/>
+      </a:schemeClr>
+    </dgm:linClrLst>
+    <dgm:effectClrLst/>
+    <dgm:txLinClrLst/>
+    <dgm:txFillClrLst meth="repeat">
+      <a:schemeClr val="dk1"/>
+    </dgm:txFillClrLst>
+    <dgm:txEffectClrLst/>
+  </dgm:styleLbl>
+  <dgm:styleLbl name="bgAccFollowNode1">
+    <dgm:fillClrLst meth="repeat">
+      <a:schemeClr val="accent1">
+        <a:alpha val="90000"/>
+        <a:tint val="40000"/>
+      </a:schemeClr>
+    </dgm:fillClrLst>
+    <dgm:linClrLst meth="repeat">
+      <a:schemeClr val="accent1">
+        <a:alpha val="90000"/>
+        <a:tint val="40000"/>
+      </a:schemeClr>
+    </dgm:linClrLst>
+    <dgm:effectClrLst/>
+    <dgm:txLinClrLst/>
+    <dgm:txFillClrLst meth="repeat">
+      <a:schemeClr val="dk1"/>
+    </dgm:txFillClrLst>
+    <dgm:txEffectClrLst/>
+  </dgm:styleLbl>
+  <dgm:styleLbl name="fgAcc0">
+    <dgm:fillClrLst meth="repeat">
+      <a:schemeClr val="lt1">
+        <a:alpha val="90000"/>
+      </a:schemeClr>
+    </dgm:fillClrLst>
+    <dgm:linClrLst meth="repeat">
+      <a:schemeClr val="accent1"/>
+    </dgm:linClrLst>
+    <dgm:effectClrLst/>
+    <dgm:txLinClrLst/>
+    <dgm:txFillClrLst meth="repeat">
+      <a:schemeClr val="dk1"/>
+    </dgm:txFillClrLst>
+    <dgm:txEffectClrLst/>
+  </dgm:styleLbl>
+  <dgm:styleLbl name="fgAcc2">
+    <dgm:fillClrLst meth="repeat">
+      <a:schemeClr val="lt1">
+        <a:alpha val="90000"/>
+      </a:schemeClr>
+    </dgm:fillClrLst>
+    <dgm:linClrLst meth="repeat">
+      <a:schemeClr val="accent1"/>
+    </dgm:linClrLst>
+    <dgm:effectClrLst/>
+    <dgm:txLinClrLst/>
+    <dgm:txFillClrLst meth="repeat">
+      <a:schemeClr val="dk1"/>
+    </dgm:txFillClrLst>
+    <dgm:txEffectClrLst/>
+  </dgm:styleLbl>
+  <dgm:styleLbl name="fgAcc3">
+    <dgm:fillClrLst meth="repeat">
+      <a:schemeClr val="lt1">
+        <a:alpha val="90000"/>
+      </a:schemeClr>
+    </dgm:fillClrLst>
+    <dgm:linClrLst meth="repeat">
+      <a:schemeClr val="accent1"/>
+    </dgm:linClrLst>
+    <dgm:effectClrLst/>
+    <dgm:txLinClrLst/>
+    <dgm:txFillClrLst meth="repeat">
+      <a:schemeClr val="dk1"/>
+    </dgm:txFillClrLst>
+    <dgm:txEffectClrLst/>
+  </dgm:styleLbl>
+  <dgm:styleLbl name="fgAcc4">
+    <dgm:fillClrLst meth="repeat">
+      <a:schemeClr val="lt1">
+        <a:alpha val="90000"/>
+      </a:schemeClr>
+    </dgm:fillClrLst>
+    <dgm:linClrLst meth="repeat">
+      <a:schemeClr val="accent1"/>
+    </dgm:linClrLst>
+    <dgm:effectClrLst/>
+    <dgm:txLinClrLst/>
+    <dgm:txFillClrLst meth="repeat">
+      <a:schemeClr val="dk1"/>
+    </dgm:txFillClrLst>
+    <dgm:txEffectClrLst/>
+  </dgm:styleLbl>
+  <dgm:styleLbl name="bgShp">
+    <dgm:fillClrLst meth="repeat">
+      <a:schemeClr val="accent1">
+        <a:tint val="40000"/>
+      </a:schemeClr>
+    </dgm:fillClrLst>
+    <dgm:linClrLst meth="repeat">
+      <a:schemeClr val="accent1"/>
+    </dgm:linClrLst>
+    <dgm:effectClrLst/>
+    <dgm:txLinClrLst/>
+    <dgm:txFillClrLst meth="repeat">
+      <a:schemeClr val="dk1"/>
+    </dgm:txFillClrLst>
+    <dgm:txEffectClrLst/>
+  </dgm:styleLbl>
+  <dgm:styleLbl name="dkBgShp">
+    <dgm:fillClrLst meth="repeat">
+      <a:schemeClr val="accent1">
+        <a:shade val="80000"/>
+      </a:schemeClr>
+    </dgm:fillClrLst>
+    <dgm:linClrLst meth="repeat">
+      <a:schemeClr val="accent1"/>
+    </dgm:linClrLst>
+    <dgm:effectClrLst/>
+    <dgm:txLinClrLst/>
+    <dgm:txFillClrLst meth="repeat">
+      <a:schemeClr val="lt1"/>
+    </dgm:txFillClrLst>
+    <dgm:txEffectClrLst/>
+  </dgm:styleLbl>
+  <dgm:styleLbl name="trBgShp">
+    <dgm:fillClrLst meth="repeat">
+      <a:schemeClr val="accent1">
+        <a:tint val="50000"/>
+        <a:alpha val="40000"/>
+      </a:schemeClr>
+    </dgm:fillClrLst>
+    <dgm:linClrLst meth="repeat">
+      <a:schemeClr val="accent1"/>
+    </dgm:linClrLst>
+    <dgm:effectClrLst/>
+    <dgm:txLinClrLst/>
+    <dgm:txFillClrLst meth="repeat">
+      <a:schemeClr val="lt1"/>
+    </dgm:txFillClrLst>
+    <dgm:txEffectClrLst/>
+  </dgm:styleLbl>
+  <dgm:styleLbl name="fgShp">
+    <dgm:fillClrLst meth="repeat">
+      <a:schemeClr val="accent1">
+        <a:tint val="60000"/>
+      </a:schemeClr>
+    </dgm:fillClrLst>
+    <dgm:linClrLst meth="repeat">
+      <a:schemeClr val="lt1"/>
+    </dgm:linClrLst>
+    <dgm:effectClrLst/>
+    <dgm:txLinClrLst/>
+    <dgm:txFillClrLst meth="repeat">
+      <a:schemeClr val="dk1"/>
+    </dgm:txFillClrLst>
+    <dgm:txEffectClrLst/>
+  </dgm:styleLbl>
+  <dgm:styleLbl name="revTx">
+    <dgm:fillClrLst meth="repeat">
+      <a:schemeClr val="lt1">
+        <a:alpha val="0"/>
+      </a:schemeClr>
+    </dgm:fillClrLst>
+    <dgm:linClrLst meth="repeat">
+      <a:schemeClr val="dk1">
+        <a:alpha val="0"/>
+      </a:schemeClr>
+    </dgm:linClrLst>
+    <dgm:effectClrLst/>
+    <dgm:txLinClrLst/>
+    <dgm:txFillClrLst meth="repeat">
+      <a:schemeClr val="tx1"/>
+    </dgm:txFillClrLst>
+    <dgm:txEffectClrLst/>
+  </dgm:styleLbl>
+</dgm:colorsDef>
+</file>
+
+<file path=ppt/diagrams/colors2.xml><?xml version="1.0" encoding="utf-8"?>
 <dgm:colorsDef xmlns:dgm="http://schemas.openxmlformats.org/drawingml/2006/diagram" xmlns:a="http://schemas.openxmlformats.org/drawingml/2006/main" uniqueId="urn:microsoft.com/office/officeart/2018/5/colors/Iconchunking_coloredtext_colorful1">
   <dgm:title val=""/>
   <dgm:desc val=""/>
@@ -1047,6 +1798,384 @@
 </file>
 
 <file path=ppt/diagrams/data1.xml><?xml version="1.0" encoding="utf-8"?>
+<dgm:dataModel xmlns:dgm="http://schemas.openxmlformats.org/drawingml/2006/diagram" xmlns:a="http://schemas.openxmlformats.org/drawingml/2006/main">
+  <dgm:ptLst>
+    <dgm:pt modelId="{D92EC1AF-A1C6-4426-B9A1-E47DFFE1D9F0}" type="doc">
+      <dgm:prSet loTypeId="urn:microsoft.com/office/officeart/2018/2/layout/IconLabelList" loCatId="icon" qsTypeId="urn:microsoft.com/office/officeart/2005/8/quickstyle/simple1" qsCatId="simple" csTypeId="urn:microsoft.com/office/officeart/2005/8/colors/accent1_2" csCatId="accent1" phldr="1"/>
+      <dgm:spPr/>
+      <dgm:t>
+        <a:bodyPr/>
+        <a:lstStyle/>
+        <a:p>
+          <a:endParaRPr lang="en-US"/>
+        </a:p>
+      </dgm:t>
+    </dgm:pt>
+    <dgm:pt modelId="{CE6BF816-05F7-4C13-BC51-EDB653AEB123}">
+      <dgm:prSet/>
+      <dgm:spPr/>
+      <dgm:t>
+        <a:bodyPr/>
+        <a:lstStyle/>
+        <a:p>
+          <a:pPr>
+            <a:lnSpc>
+              <a:spcPct val="100000"/>
+            </a:lnSpc>
+          </a:pPr>
+          <a:r>
+            <a:rPr lang="en-US"/>
+            <a:t>Already</a:t>
+          </a:r>
+          <a:r>
+            <a:rPr lang="zh-CN"/>
+            <a:t> </a:t>
+          </a:r>
+          <a:r>
+            <a:rPr lang="en-US"/>
+            <a:t>on</a:t>
+          </a:r>
+          <a:r>
+            <a:rPr lang="zh-CN"/>
+            <a:t> </a:t>
+          </a:r>
+          <a:r>
+            <a:rPr lang="en-US"/>
+            <a:t>board</a:t>
+          </a:r>
+        </a:p>
+      </dgm:t>
+    </dgm:pt>
+    <dgm:pt modelId="{DD6ED850-3F9B-474A-825B-FCFFDFCD0D64}" type="parTrans" cxnId="{CB8361ED-C30C-4162-ABCA-D7806B8CD518}">
+      <dgm:prSet/>
+      <dgm:spPr/>
+      <dgm:t>
+        <a:bodyPr/>
+        <a:lstStyle/>
+        <a:p>
+          <a:endParaRPr lang="en-US"/>
+        </a:p>
+      </dgm:t>
+    </dgm:pt>
+    <dgm:pt modelId="{EBF298A2-A870-482B-951F-59BF3A8E08C6}" type="sibTrans" cxnId="{CB8361ED-C30C-4162-ABCA-D7806B8CD518}">
+      <dgm:prSet/>
+      <dgm:spPr/>
+      <dgm:t>
+        <a:bodyPr/>
+        <a:lstStyle/>
+        <a:p>
+          <a:endParaRPr lang="en-US"/>
+        </a:p>
+      </dgm:t>
+    </dgm:pt>
+    <dgm:pt modelId="{D3B4237D-6A9B-46EF-99F9-74CEDBF39C3F}">
+      <dgm:prSet/>
+      <dgm:spPr/>
+      <dgm:t>
+        <a:bodyPr/>
+        <a:lstStyle/>
+        <a:p>
+          <a:pPr>
+            <a:lnSpc>
+              <a:spcPct val="100000"/>
+            </a:lnSpc>
+          </a:pPr>
+          <a:r>
+            <a:rPr lang="en-US"/>
+            <a:t>Debugging</a:t>
+          </a:r>
+          <a:r>
+            <a:rPr lang="zh-CN"/>
+            <a:t> </a:t>
+          </a:r>
+          <a:r>
+            <a:rPr lang="en-US"/>
+            <a:t>edge</a:t>
+          </a:r>
+          <a:r>
+            <a:rPr lang="zh-CN"/>
+            <a:t> </a:t>
+          </a:r>
+          <a:r>
+            <a:rPr lang="en-US"/>
+            <a:t>impulse</a:t>
+          </a:r>
+          <a:r>
+            <a:rPr lang="zh-CN"/>
+            <a:t> </a:t>
+          </a:r>
+          <a:r>
+            <a:rPr lang="en-US"/>
+            <a:t>library</a:t>
+          </a:r>
+          <a:r>
+            <a:rPr lang="zh-CN"/>
+            <a:t> </a:t>
+          </a:r>
+          <a:r>
+            <a:rPr lang="en-US"/>
+            <a:t>issues</a:t>
+          </a:r>
+        </a:p>
+      </dgm:t>
+    </dgm:pt>
+    <dgm:pt modelId="{1F18DD8E-5A0F-4BC0-8BA3-BC6432F273B8}" type="parTrans" cxnId="{4655CDEC-55D1-4EF4-9A01-88610C76BA39}">
+      <dgm:prSet/>
+      <dgm:spPr/>
+      <dgm:t>
+        <a:bodyPr/>
+        <a:lstStyle/>
+        <a:p>
+          <a:endParaRPr lang="en-US"/>
+        </a:p>
+      </dgm:t>
+    </dgm:pt>
+    <dgm:pt modelId="{0A8F34D6-C863-44BC-B305-D4DEC6FABC44}" type="sibTrans" cxnId="{4655CDEC-55D1-4EF4-9A01-88610C76BA39}">
+      <dgm:prSet/>
+      <dgm:spPr/>
+      <dgm:t>
+        <a:bodyPr/>
+        <a:lstStyle/>
+        <a:p>
+          <a:endParaRPr lang="en-US"/>
+        </a:p>
+      </dgm:t>
+    </dgm:pt>
+    <dgm:pt modelId="{7A2D8C7E-68FE-4CFC-9672-13916D077292}">
+      <dgm:prSet/>
+      <dgm:spPr/>
+      <dgm:t>
+        <a:bodyPr/>
+        <a:lstStyle/>
+        <a:p>
+          <a:pPr>
+            <a:lnSpc>
+              <a:spcPct val="100000"/>
+            </a:lnSpc>
+          </a:pPr>
+          <a:r>
+            <a:rPr lang="en-US"/>
+            <a:t>Collect</a:t>
+          </a:r>
+          <a:r>
+            <a:rPr lang="zh-CN"/>
+            <a:t> </a:t>
+          </a:r>
+          <a:r>
+            <a:rPr lang="en-US"/>
+            <a:t>accuracy</a:t>
+          </a:r>
+          <a:r>
+            <a:rPr lang="zh-CN"/>
+            <a:t> </a:t>
+          </a:r>
+          <a:r>
+            <a:rPr lang="en-US"/>
+            <a:t>data</a:t>
+          </a:r>
+        </a:p>
+      </dgm:t>
+    </dgm:pt>
+    <dgm:pt modelId="{F85693F3-CA8E-4083-BEEF-5C9D766F83CB}" type="parTrans" cxnId="{6EB5D2B6-E9CA-418A-8137-A78B4AFD1D12}">
+      <dgm:prSet/>
+      <dgm:spPr/>
+      <dgm:t>
+        <a:bodyPr/>
+        <a:lstStyle/>
+        <a:p>
+          <a:endParaRPr lang="en-US"/>
+        </a:p>
+      </dgm:t>
+    </dgm:pt>
+    <dgm:pt modelId="{0B33023F-F4AE-4A89-833F-ACFEF812A671}" type="sibTrans" cxnId="{6EB5D2B6-E9CA-418A-8137-A78B4AFD1D12}">
+      <dgm:prSet/>
+      <dgm:spPr/>
+      <dgm:t>
+        <a:bodyPr/>
+        <a:lstStyle/>
+        <a:p>
+          <a:endParaRPr lang="en-US"/>
+        </a:p>
+      </dgm:t>
+    </dgm:pt>
+    <dgm:pt modelId="{814AD927-6D3E-4D72-9F10-77890E1B8EA5}" type="pres">
+      <dgm:prSet presAssocID="{D92EC1AF-A1C6-4426-B9A1-E47DFFE1D9F0}" presName="root" presStyleCnt="0">
+        <dgm:presLayoutVars>
+          <dgm:dir/>
+          <dgm:resizeHandles val="exact"/>
+        </dgm:presLayoutVars>
+      </dgm:prSet>
+      <dgm:spPr/>
+    </dgm:pt>
+    <dgm:pt modelId="{1D9145F7-1ADA-40C0-BC51-E2F40978484D}" type="pres">
+      <dgm:prSet presAssocID="{CE6BF816-05F7-4C13-BC51-EDB653AEB123}" presName="compNode" presStyleCnt="0"/>
+      <dgm:spPr/>
+    </dgm:pt>
+    <dgm:pt modelId="{89AF686B-051A-45B0-AC3A-16CDDB769442}" type="pres">
+      <dgm:prSet presAssocID="{CE6BF816-05F7-4C13-BC51-EDB653AEB123}" presName="iconRect" presStyleLbl="node1" presStyleIdx="0" presStyleCnt="3"/>
+      <dgm:spPr>
+        <a:blipFill>
+          <a:blip xmlns:r="http://schemas.openxmlformats.org/officeDocument/2006/relationships" r:embed="rId1">
+            <a:extLst>
+              <a:ext uri="{28A0092B-C50C-407E-A947-70E740481C1C}">
+                <a14:useLocalDpi xmlns:a14="http://schemas.microsoft.com/office/drawing/2010/main" val="0"/>
+              </a:ext>
+              <a:ext uri="{96DAC541-7B7A-43D3-8B79-37D633B846F1}">
+                <asvg:svgBlip xmlns:asvg="http://schemas.microsoft.com/office/drawing/2016/SVG/main" r:embed="rId2"/>
+              </a:ext>
+            </a:extLst>
+          </a:blip>
+          <a:stretch>
+            <a:fillRect/>
+          </a:stretch>
+        </a:blipFill>
+      </dgm:spPr>
+      <dgm:extLst>
+        <a:ext uri="{E40237B7-FDA0-4F09-8148-C483321AD2D9}">
+          <dgm14:cNvPr xmlns:dgm14="http://schemas.microsoft.com/office/drawing/2010/diagram" id="0" name="" descr="Checkmark"/>
+        </a:ext>
+      </dgm:extLst>
+    </dgm:pt>
+    <dgm:pt modelId="{4BA4B03F-1939-4865-A12A-386302C709BD}" type="pres">
+      <dgm:prSet presAssocID="{CE6BF816-05F7-4C13-BC51-EDB653AEB123}" presName="spaceRect" presStyleCnt="0"/>
+      <dgm:spPr/>
+    </dgm:pt>
+    <dgm:pt modelId="{4B8960F2-748E-4FF1-AE9F-ABA433201D91}" type="pres">
+      <dgm:prSet presAssocID="{CE6BF816-05F7-4C13-BC51-EDB653AEB123}" presName="textRect" presStyleLbl="revTx" presStyleIdx="0" presStyleCnt="3">
+        <dgm:presLayoutVars>
+          <dgm:chMax val="1"/>
+          <dgm:chPref val="1"/>
+        </dgm:presLayoutVars>
+      </dgm:prSet>
+      <dgm:spPr/>
+    </dgm:pt>
+    <dgm:pt modelId="{FB48A088-6785-4B3D-AFA8-7C928AAFE673}" type="pres">
+      <dgm:prSet presAssocID="{EBF298A2-A870-482B-951F-59BF3A8E08C6}" presName="sibTrans" presStyleCnt="0"/>
+      <dgm:spPr/>
+    </dgm:pt>
+    <dgm:pt modelId="{E92449E3-6491-4251-B436-9FFB8431DB9C}" type="pres">
+      <dgm:prSet presAssocID="{D3B4237D-6A9B-46EF-99F9-74CEDBF39C3F}" presName="compNode" presStyleCnt="0"/>
+      <dgm:spPr/>
+    </dgm:pt>
+    <dgm:pt modelId="{94066B69-3AAA-48AD-89FD-1BCE0298C9E5}" type="pres">
+      <dgm:prSet presAssocID="{D3B4237D-6A9B-46EF-99F9-74CEDBF39C3F}" presName="iconRect" presStyleLbl="node1" presStyleIdx="1" presStyleCnt="3"/>
+      <dgm:spPr>
+        <a:blipFill>
+          <a:blip xmlns:r="http://schemas.openxmlformats.org/officeDocument/2006/relationships" r:embed="rId3">
+            <a:extLst>
+              <a:ext uri="{28A0092B-C50C-407E-A947-70E740481C1C}">
+                <a14:useLocalDpi xmlns:a14="http://schemas.microsoft.com/office/drawing/2010/main" val="0"/>
+              </a:ext>
+              <a:ext uri="{96DAC541-7B7A-43D3-8B79-37D633B846F1}">
+                <asvg:svgBlip xmlns:asvg="http://schemas.microsoft.com/office/drawing/2016/SVG/main" r:embed="rId4"/>
+              </a:ext>
+            </a:extLst>
+          </a:blip>
+          <a:stretch>
+            <a:fillRect/>
+          </a:stretch>
+        </a:blipFill>
+      </dgm:spPr>
+      <dgm:extLst>
+        <a:ext uri="{E40237B7-FDA0-4F09-8148-C483321AD2D9}">
+          <dgm14:cNvPr xmlns:dgm14="http://schemas.microsoft.com/office/drawing/2010/diagram" id="0" name="" descr="Head with Gears"/>
+        </a:ext>
+      </dgm:extLst>
+    </dgm:pt>
+    <dgm:pt modelId="{D9018131-C7CE-4CA6-A048-2DD305D1A37B}" type="pres">
+      <dgm:prSet presAssocID="{D3B4237D-6A9B-46EF-99F9-74CEDBF39C3F}" presName="spaceRect" presStyleCnt="0"/>
+      <dgm:spPr/>
+    </dgm:pt>
+    <dgm:pt modelId="{3E5E4E40-0041-408D-B65A-D81456F5C536}" type="pres">
+      <dgm:prSet presAssocID="{D3B4237D-6A9B-46EF-99F9-74CEDBF39C3F}" presName="textRect" presStyleLbl="revTx" presStyleIdx="1" presStyleCnt="3">
+        <dgm:presLayoutVars>
+          <dgm:chMax val="1"/>
+          <dgm:chPref val="1"/>
+        </dgm:presLayoutVars>
+      </dgm:prSet>
+      <dgm:spPr/>
+    </dgm:pt>
+    <dgm:pt modelId="{CC137FBF-641A-42BF-8A9F-0D6A952C9539}" type="pres">
+      <dgm:prSet presAssocID="{0A8F34D6-C863-44BC-B305-D4DEC6FABC44}" presName="sibTrans" presStyleCnt="0"/>
+      <dgm:spPr/>
+    </dgm:pt>
+    <dgm:pt modelId="{B88D0E7C-C7E7-4EA9-BDA9-9007EC1AC063}" type="pres">
+      <dgm:prSet presAssocID="{7A2D8C7E-68FE-4CFC-9672-13916D077292}" presName="compNode" presStyleCnt="0"/>
+      <dgm:spPr/>
+    </dgm:pt>
+    <dgm:pt modelId="{74564252-A47C-4A0A-9CA7-4E0E7FE290D3}" type="pres">
+      <dgm:prSet presAssocID="{7A2D8C7E-68FE-4CFC-9672-13916D077292}" presName="iconRect" presStyleLbl="node1" presStyleIdx="2" presStyleCnt="3"/>
+      <dgm:spPr>
+        <a:blipFill>
+          <a:blip xmlns:r="http://schemas.openxmlformats.org/officeDocument/2006/relationships" r:embed="rId5">
+            <a:extLst>
+              <a:ext uri="{28A0092B-C50C-407E-A947-70E740481C1C}">
+                <a14:useLocalDpi xmlns:a14="http://schemas.microsoft.com/office/drawing/2010/main" val="0"/>
+              </a:ext>
+              <a:ext uri="{96DAC541-7B7A-43D3-8B79-37D633B846F1}">
+                <asvg:svgBlip xmlns:asvg="http://schemas.microsoft.com/office/drawing/2016/SVG/main" r:embed="rId6"/>
+              </a:ext>
+            </a:extLst>
+          </a:blip>
+          <a:stretch>
+            <a:fillRect/>
+          </a:stretch>
+        </a:blipFill>
+      </dgm:spPr>
+      <dgm:extLst>
+        <a:ext uri="{E40237B7-FDA0-4F09-8148-C483321AD2D9}">
+          <dgm14:cNvPr xmlns:dgm14="http://schemas.microsoft.com/office/drawing/2010/diagram" id="0" name="" descr="Bullseye"/>
+        </a:ext>
+      </dgm:extLst>
+    </dgm:pt>
+    <dgm:pt modelId="{D530A4D5-25BA-4D8A-9D2E-3B6417015D0B}" type="pres">
+      <dgm:prSet presAssocID="{7A2D8C7E-68FE-4CFC-9672-13916D077292}" presName="spaceRect" presStyleCnt="0"/>
+      <dgm:spPr/>
+    </dgm:pt>
+    <dgm:pt modelId="{6CD1C5EE-AAD9-450B-867D-7F038DEB8851}" type="pres">
+      <dgm:prSet presAssocID="{7A2D8C7E-68FE-4CFC-9672-13916D077292}" presName="textRect" presStyleLbl="revTx" presStyleIdx="2" presStyleCnt="3">
+        <dgm:presLayoutVars>
+          <dgm:chMax val="1"/>
+          <dgm:chPref val="1"/>
+        </dgm:presLayoutVars>
+      </dgm:prSet>
+      <dgm:spPr/>
+    </dgm:pt>
+  </dgm:ptLst>
+  <dgm:cxnLst>
+    <dgm:cxn modelId="{487ECB14-65CD-475A-9C4A-6438FAF1EDF0}" type="presOf" srcId="{7A2D8C7E-68FE-4CFC-9672-13916D077292}" destId="{6CD1C5EE-AAD9-450B-867D-7F038DEB8851}" srcOrd="0" destOrd="0" presId="urn:microsoft.com/office/officeart/2018/2/layout/IconLabelList"/>
+    <dgm:cxn modelId="{7FBEB49B-B615-44E9-AC55-374FF72C501C}" type="presOf" srcId="{D3B4237D-6A9B-46EF-99F9-74CEDBF39C3F}" destId="{3E5E4E40-0041-408D-B65A-D81456F5C536}" srcOrd="0" destOrd="0" presId="urn:microsoft.com/office/officeart/2018/2/layout/IconLabelList"/>
+    <dgm:cxn modelId="{61ED03A7-33FF-4D89-B32A-24CAACA2C534}" type="presOf" srcId="{CE6BF816-05F7-4C13-BC51-EDB653AEB123}" destId="{4B8960F2-748E-4FF1-AE9F-ABA433201D91}" srcOrd="0" destOrd="0" presId="urn:microsoft.com/office/officeart/2018/2/layout/IconLabelList"/>
+    <dgm:cxn modelId="{6EB5D2B6-E9CA-418A-8137-A78B4AFD1D12}" srcId="{D92EC1AF-A1C6-4426-B9A1-E47DFFE1D9F0}" destId="{7A2D8C7E-68FE-4CFC-9672-13916D077292}" srcOrd="2" destOrd="0" parTransId="{F85693F3-CA8E-4083-BEEF-5C9D766F83CB}" sibTransId="{0B33023F-F4AE-4A89-833F-ACFEF812A671}"/>
+    <dgm:cxn modelId="{66ED77BB-8690-4333-B2D7-9D445E15A6AC}" type="presOf" srcId="{D92EC1AF-A1C6-4426-B9A1-E47DFFE1D9F0}" destId="{814AD927-6D3E-4D72-9F10-77890E1B8EA5}" srcOrd="0" destOrd="0" presId="urn:microsoft.com/office/officeart/2018/2/layout/IconLabelList"/>
+    <dgm:cxn modelId="{4655CDEC-55D1-4EF4-9A01-88610C76BA39}" srcId="{D92EC1AF-A1C6-4426-B9A1-E47DFFE1D9F0}" destId="{D3B4237D-6A9B-46EF-99F9-74CEDBF39C3F}" srcOrd="1" destOrd="0" parTransId="{1F18DD8E-5A0F-4BC0-8BA3-BC6432F273B8}" sibTransId="{0A8F34D6-C863-44BC-B305-D4DEC6FABC44}"/>
+    <dgm:cxn modelId="{CB8361ED-C30C-4162-ABCA-D7806B8CD518}" srcId="{D92EC1AF-A1C6-4426-B9A1-E47DFFE1D9F0}" destId="{CE6BF816-05F7-4C13-BC51-EDB653AEB123}" srcOrd="0" destOrd="0" parTransId="{DD6ED850-3F9B-474A-825B-FCFFDFCD0D64}" sibTransId="{EBF298A2-A870-482B-951F-59BF3A8E08C6}"/>
+    <dgm:cxn modelId="{AAC1C656-7093-4118-8488-ED3C8BF53443}" type="presParOf" srcId="{814AD927-6D3E-4D72-9F10-77890E1B8EA5}" destId="{1D9145F7-1ADA-40C0-BC51-E2F40978484D}" srcOrd="0" destOrd="0" presId="urn:microsoft.com/office/officeart/2018/2/layout/IconLabelList"/>
+    <dgm:cxn modelId="{1BEDD057-6F37-487B-823A-AA3941E72700}" type="presParOf" srcId="{1D9145F7-1ADA-40C0-BC51-E2F40978484D}" destId="{89AF686B-051A-45B0-AC3A-16CDDB769442}" srcOrd="0" destOrd="0" presId="urn:microsoft.com/office/officeart/2018/2/layout/IconLabelList"/>
+    <dgm:cxn modelId="{EFD1FA3F-C896-4F57-9CFA-9DDC64188601}" type="presParOf" srcId="{1D9145F7-1ADA-40C0-BC51-E2F40978484D}" destId="{4BA4B03F-1939-4865-A12A-386302C709BD}" srcOrd="1" destOrd="0" presId="urn:microsoft.com/office/officeart/2018/2/layout/IconLabelList"/>
+    <dgm:cxn modelId="{04A34F4D-B3E4-4D41-81EF-E166F50065E6}" type="presParOf" srcId="{1D9145F7-1ADA-40C0-BC51-E2F40978484D}" destId="{4B8960F2-748E-4FF1-AE9F-ABA433201D91}" srcOrd="2" destOrd="0" presId="urn:microsoft.com/office/officeart/2018/2/layout/IconLabelList"/>
+    <dgm:cxn modelId="{290B46E7-12BF-4DBD-8DDD-4A2B5C2ED5E3}" type="presParOf" srcId="{814AD927-6D3E-4D72-9F10-77890E1B8EA5}" destId="{FB48A088-6785-4B3D-AFA8-7C928AAFE673}" srcOrd="1" destOrd="0" presId="urn:microsoft.com/office/officeart/2018/2/layout/IconLabelList"/>
+    <dgm:cxn modelId="{4FE84F56-FE96-49AB-8BFB-9F52526B448B}" type="presParOf" srcId="{814AD927-6D3E-4D72-9F10-77890E1B8EA5}" destId="{E92449E3-6491-4251-B436-9FFB8431DB9C}" srcOrd="2" destOrd="0" presId="urn:microsoft.com/office/officeart/2018/2/layout/IconLabelList"/>
+    <dgm:cxn modelId="{E99CB37E-FCA1-49ED-A7F2-97D8A9CFDACD}" type="presParOf" srcId="{E92449E3-6491-4251-B436-9FFB8431DB9C}" destId="{94066B69-3AAA-48AD-89FD-1BCE0298C9E5}" srcOrd="0" destOrd="0" presId="urn:microsoft.com/office/officeart/2018/2/layout/IconLabelList"/>
+    <dgm:cxn modelId="{33EC4674-4322-4725-918F-61E726224934}" type="presParOf" srcId="{E92449E3-6491-4251-B436-9FFB8431DB9C}" destId="{D9018131-C7CE-4CA6-A048-2DD305D1A37B}" srcOrd="1" destOrd="0" presId="urn:microsoft.com/office/officeart/2018/2/layout/IconLabelList"/>
+    <dgm:cxn modelId="{AD29CB2F-2F3F-4FF9-9803-FBD52F324A91}" type="presParOf" srcId="{E92449E3-6491-4251-B436-9FFB8431DB9C}" destId="{3E5E4E40-0041-408D-B65A-D81456F5C536}" srcOrd="2" destOrd="0" presId="urn:microsoft.com/office/officeart/2018/2/layout/IconLabelList"/>
+    <dgm:cxn modelId="{503EBE84-CC83-4545-89C8-07B973EB10C1}" type="presParOf" srcId="{814AD927-6D3E-4D72-9F10-77890E1B8EA5}" destId="{CC137FBF-641A-42BF-8A9F-0D6A952C9539}" srcOrd="3" destOrd="0" presId="urn:microsoft.com/office/officeart/2018/2/layout/IconLabelList"/>
+    <dgm:cxn modelId="{C5D10967-5D16-4CEA-AF57-2D42B8A17E35}" type="presParOf" srcId="{814AD927-6D3E-4D72-9F10-77890E1B8EA5}" destId="{B88D0E7C-C7E7-4EA9-BDA9-9007EC1AC063}" srcOrd="4" destOrd="0" presId="urn:microsoft.com/office/officeart/2018/2/layout/IconLabelList"/>
+    <dgm:cxn modelId="{D96177B1-65C0-415C-B7F6-C62BB7C04CB5}" type="presParOf" srcId="{B88D0E7C-C7E7-4EA9-BDA9-9007EC1AC063}" destId="{74564252-A47C-4A0A-9CA7-4E0E7FE290D3}" srcOrd="0" destOrd="0" presId="urn:microsoft.com/office/officeart/2018/2/layout/IconLabelList"/>
+    <dgm:cxn modelId="{BF7C9CC7-FFF6-487A-8FA3-BF81BBA7CF51}" type="presParOf" srcId="{B88D0E7C-C7E7-4EA9-BDA9-9007EC1AC063}" destId="{D530A4D5-25BA-4D8A-9D2E-3B6417015D0B}" srcOrd="1" destOrd="0" presId="urn:microsoft.com/office/officeart/2018/2/layout/IconLabelList"/>
+    <dgm:cxn modelId="{9ADAAFCB-BC76-4FF4-A8BF-2E819397C3E0}" type="presParOf" srcId="{B88D0E7C-C7E7-4EA9-BDA9-9007EC1AC063}" destId="{6CD1C5EE-AAD9-450B-867D-7F038DEB8851}" srcOrd="2" destOrd="0" presId="urn:microsoft.com/office/officeart/2018/2/layout/IconLabelList"/>
+  </dgm:cxnLst>
+  <dgm:bg/>
+  <dgm:whole/>
+  <dgm:extLst>
+    <a:ext uri="http://schemas.microsoft.com/office/drawing/2008/diagram">
+      <dsp:dataModelExt xmlns:dsp="http://schemas.microsoft.com/office/drawing/2008/diagram" relId="rId6" minVer="http://schemas.openxmlformats.org/drawingml/2006/diagram"/>
+    </a:ext>
+  </dgm:extLst>
+</dgm:dataModel>
+</file>
+
+<file path=ppt/diagrams/data2.xml><?xml version="1.0" encoding="utf-8"?>
 <dgm:dataModel xmlns:dgm="http://schemas.openxmlformats.org/drawingml/2006/diagram" xmlns:a="http://schemas.openxmlformats.org/drawingml/2006/main">
   <dgm:ptLst>
     <dgm:pt modelId="{EC80E3F6-29AA-4D7A-A547-FA5F0D749261}" type="doc">
@@ -1142,33 +2271,55 @@
             <a:defRPr cap="all"/>
           </a:pPr>
           <a:r>
-            <a:rPr lang="en-US"/>
-            <a:t>Add</a:t>
+            <a:rPr lang="en-US" altLang="zh-CN" dirty="0"/>
+            <a:t>Analysis</a:t>
           </a:r>
           <a:r>
-            <a:rPr lang="zh-CN"/>
+            <a:rPr lang="zh-CN" altLang="en-US" dirty="0"/>
             <a:t> </a:t>
           </a:r>
           <a:r>
-            <a:rPr lang="en-US"/>
-            <a:t>noise</a:t>
+            <a:rPr lang="en-US" altLang="zh-CN" dirty="0"/>
+            <a:t>of</a:t>
           </a:r>
           <a:r>
-            <a:rPr lang="zh-CN"/>
+            <a:rPr lang="zh-CN" altLang="en-US" dirty="0"/>
             <a:t> </a:t>
           </a:r>
           <a:r>
-            <a:rPr lang="en-US"/>
-            <a:t>into</a:t>
+            <a:rPr lang="en-US" altLang="zh-CN" dirty="0"/>
+            <a:t>Data</a:t>
+          </a:r>
+        </a:p>
+        <a:p>
+          <a:pPr>
+            <a:defRPr cap="all"/>
+          </a:pPr>
+          <a:r>
+            <a:rPr lang="en-US" altLang="zh-CN" dirty="0"/>
+            <a:t>-Accuracy</a:t>
           </a:r>
           <a:r>
-            <a:rPr lang="zh-CN"/>
+            <a:rPr lang="zh-CN" altLang="en-US" dirty="0"/>
             <a:t> </a:t>
           </a:r>
           <a:r>
-            <a:rPr lang="en-US"/>
-            <a:t>training</a:t>
+            <a:rPr lang="en-US" altLang="zh-CN" dirty="0"/>
+            <a:t>across</a:t>
           </a:r>
+          <a:r>
+            <a:rPr lang="zh-CN" altLang="en-US" dirty="0"/>
+            <a:t> </a:t>
+          </a:r>
+          <a:r>
+            <a:rPr lang="en-US" altLang="zh-CN" dirty="0"/>
+            <a:t>species</a:t>
+          </a:r>
+          <a:r>
+            <a:rPr lang="zh-CN" altLang="en-US" dirty="0"/>
+            <a:t> </a:t>
+          </a:r>
+          <a:endParaRPr lang="en-US" dirty="0"/>
         </a:p>
       </dgm:t>
     </dgm:pt>
@@ -1205,25 +2356,27 @@
             <a:defRPr cap="all"/>
           </a:pPr>
           <a:r>
-            <a:rPr lang="en-US"/>
-            <a:t>Implement</a:t>
+            <a:rPr lang="en-US" altLang="zh-CN" dirty="0"/>
+            <a:t>deliverables</a:t>
+          </a:r>
+        </a:p>
+        <a:p>
+          <a:pPr>
+            <a:defRPr cap="all"/>
+          </a:pPr>
+          <a:r>
+            <a:rPr lang="en-US" altLang="zh-CN" dirty="0"/>
+            <a:t>-Report,</a:t>
           </a:r>
           <a:r>
-            <a:rPr lang="zh-CN"/>
+            <a:rPr lang="zh-CN" altLang="en-US" dirty="0"/>
             <a:t> </a:t>
           </a:r>
           <a:r>
-            <a:rPr lang="en-US"/>
-            <a:t>into</a:t>
+            <a:rPr lang="en-US" altLang="zh-CN" dirty="0"/>
+            <a:t>etc.</a:t>
           </a:r>
-          <a:r>
-            <a:rPr lang="zh-CN"/>
-            <a:t> </a:t>
-          </a:r>
-          <a:r>
-            <a:rPr lang="en-US"/>
-            <a:t>hardware</a:t>
-          </a:r>
+          <a:endParaRPr lang="en-US" dirty="0"/>
         </a:p>
       </dgm:t>
     </dgm:pt>
@@ -1479,6 +2632,433 @@
       <dsp:cNvGrpSpPr/>
     </dsp:nvGrpSpPr>
     <dsp:grpSpPr/>
+    <dsp:sp modelId="{89AF686B-051A-45B0-AC3A-16CDDB769442}">
+      <dsp:nvSpPr>
+        <dsp:cNvPr id="0" name=""/>
+        <dsp:cNvSpPr/>
+      </dsp:nvSpPr>
+      <dsp:spPr>
+        <a:xfrm>
+          <a:off x="1212569" y="987197"/>
+          <a:ext cx="1300252" cy="1300252"/>
+        </a:xfrm>
+        <a:prstGeom prst="rect">
+          <a:avLst/>
+        </a:prstGeom>
+        <a:blipFill>
+          <a:blip xmlns:r="http://schemas.openxmlformats.org/officeDocument/2006/relationships" r:embed="rId1">
+            <a:extLst>
+              <a:ext uri="{28A0092B-C50C-407E-A947-70E740481C1C}">
+                <a14:useLocalDpi xmlns:a14="http://schemas.microsoft.com/office/drawing/2010/main" val="0"/>
+              </a:ext>
+              <a:ext uri="{96DAC541-7B7A-43D3-8B79-37D633B846F1}">
+                <asvg:svgBlip xmlns:asvg="http://schemas.microsoft.com/office/drawing/2016/SVG/main" r:embed="rId2"/>
+              </a:ext>
+            </a:extLst>
+          </a:blip>
+          <a:stretch>
+            <a:fillRect/>
+          </a:stretch>
+        </a:blipFill>
+        <a:ln w="19050" cap="flat" cmpd="sng" algn="ctr">
+          <a:solidFill>
+            <a:schemeClr val="lt1">
+              <a:hueOff val="0"/>
+              <a:satOff val="0"/>
+              <a:lumOff val="0"/>
+              <a:alphaOff val="0"/>
+            </a:schemeClr>
+          </a:solidFill>
+          <a:prstDash val="solid"/>
+          <a:miter lim="800000"/>
+        </a:ln>
+        <a:effectLst/>
+      </dsp:spPr>
+      <dsp:style>
+        <a:lnRef idx="2">
+          <a:scrgbClr r="0" g="0" b="0"/>
+        </a:lnRef>
+        <a:fillRef idx="1">
+          <a:scrgbClr r="0" g="0" b="0"/>
+        </a:fillRef>
+        <a:effectRef idx="0">
+          <a:scrgbClr r="0" g="0" b="0"/>
+        </a:effectRef>
+        <a:fontRef idx="minor">
+          <a:schemeClr val="lt1"/>
+        </a:fontRef>
+      </dsp:style>
+    </dsp:sp>
+    <dsp:sp modelId="{4B8960F2-748E-4FF1-AE9F-ABA433201D91}">
+      <dsp:nvSpPr>
+        <dsp:cNvPr id="0" name=""/>
+        <dsp:cNvSpPr/>
+      </dsp:nvSpPr>
+      <dsp:spPr>
+        <a:xfrm>
+          <a:off x="417971" y="2644140"/>
+          <a:ext cx="2889450" cy="720000"/>
+        </a:xfrm>
+        <a:prstGeom prst="rect">
+          <a:avLst/>
+        </a:prstGeom>
+        <a:noFill/>
+        <a:ln>
+          <a:noFill/>
+        </a:ln>
+        <a:effectLst/>
+      </dsp:spPr>
+      <dsp:style>
+        <a:lnRef idx="0">
+          <a:scrgbClr r="0" g="0" b="0"/>
+        </a:lnRef>
+        <a:fillRef idx="0">
+          <a:scrgbClr r="0" g="0" b="0"/>
+        </a:fillRef>
+        <a:effectRef idx="0">
+          <a:scrgbClr r="0" g="0" b="0"/>
+        </a:effectRef>
+        <a:fontRef idx="minor"/>
+      </dsp:style>
+      <dsp:txBody>
+        <a:bodyPr spcFirstLastPara="0" vert="horz" wrap="square" lIns="0" tIns="0" rIns="0" bIns="0" numCol="1" spcCol="1270" anchor="t" anchorCtr="0">
+          <a:noAutofit/>
+        </a:bodyPr>
+        <a:lstStyle/>
+        <a:p>
+          <a:pPr marL="0" lvl="0" indent="0" algn="ctr" defTabSz="1022350">
+            <a:lnSpc>
+              <a:spcPct val="100000"/>
+            </a:lnSpc>
+            <a:spcBef>
+              <a:spcPct val="0"/>
+            </a:spcBef>
+            <a:spcAft>
+              <a:spcPct val="35000"/>
+            </a:spcAft>
+            <a:buNone/>
+          </a:pPr>
+          <a:r>
+            <a:rPr lang="en-US" sz="2300" kern="1200"/>
+            <a:t>Already</a:t>
+          </a:r>
+          <a:r>
+            <a:rPr lang="zh-CN" sz="2300" kern="1200"/>
+            <a:t> </a:t>
+          </a:r>
+          <a:r>
+            <a:rPr lang="en-US" sz="2300" kern="1200"/>
+            <a:t>on</a:t>
+          </a:r>
+          <a:r>
+            <a:rPr lang="zh-CN" sz="2300" kern="1200"/>
+            <a:t> </a:t>
+          </a:r>
+          <a:r>
+            <a:rPr lang="en-US" sz="2300" kern="1200"/>
+            <a:t>board</a:t>
+          </a:r>
+        </a:p>
+      </dsp:txBody>
+      <dsp:txXfrm>
+        <a:off x="417971" y="2644140"/>
+        <a:ext cx="2889450" cy="720000"/>
+      </dsp:txXfrm>
+    </dsp:sp>
+    <dsp:sp modelId="{94066B69-3AAA-48AD-89FD-1BCE0298C9E5}">
+      <dsp:nvSpPr>
+        <dsp:cNvPr id="0" name=""/>
+        <dsp:cNvSpPr/>
+      </dsp:nvSpPr>
+      <dsp:spPr>
+        <a:xfrm>
+          <a:off x="4607673" y="987197"/>
+          <a:ext cx="1300252" cy="1300252"/>
+        </a:xfrm>
+        <a:prstGeom prst="rect">
+          <a:avLst/>
+        </a:prstGeom>
+        <a:blipFill>
+          <a:blip xmlns:r="http://schemas.openxmlformats.org/officeDocument/2006/relationships" r:embed="rId3">
+            <a:extLst>
+              <a:ext uri="{28A0092B-C50C-407E-A947-70E740481C1C}">
+                <a14:useLocalDpi xmlns:a14="http://schemas.microsoft.com/office/drawing/2010/main" val="0"/>
+              </a:ext>
+              <a:ext uri="{96DAC541-7B7A-43D3-8B79-37D633B846F1}">
+                <asvg:svgBlip xmlns:asvg="http://schemas.microsoft.com/office/drawing/2016/SVG/main" r:embed="rId4"/>
+              </a:ext>
+            </a:extLst>
+          </a:blip>
+          <a:stretch>
+            <a:fillRect/>
+          </a:stretch>
+        </a:blipFill>
+        <a:ln w="19050" cap="flat" cmpd="sng" algn="ctr">
+          <a:solidFill>
+            <a:schemeClr val="lt1">
+              <a:hueOff val="0"/>
+              <a:satOff val="0"/>
+              <a:lumOff val="0"/>
+              <a:alphaOff val="0"/>
+            </a:schemeClr>
+          </a:solidFill>
+          <a:prstDash val="solid"/>
+          <a:miter lim="800000"/>
+        </a:ln>
+        <a:effectLst/>
+      </dsp:spPr>
+      <dsp:style>
+        <a:lnRef idx="2">
+          <a:scrgbClr r="0" g="0" b="0"/>
+        </a:lnRef>
+        <a:fillRef idx="1">
+          <a:scrgbClr r="0" g="0" b="0"/>
+        </a:fillRef>
+        <a:effectRef idx="0">
+          <a:scrgbClr r="0" g="0" b="0"/>
+        </a:effectRef>
+        <a:fontRef idx="minor">
+          <a:schemeClr val="lt1"/>
+        </a:fontRef>
+      </dsp:style>
+    </dsp:sp>
+    <dsp:sp modelId="{3E5E4E40-0041-408D-B65A-D81456F5C536}">
+      <dsp:nvSpPr>
+        <dsp:cNvPr id="0" name=""/>
+        <dsp:cNvSpPr/>
+      </dsp:nvSpPr>
+      <dsp:spPr>
+        <a:xfrm>
+          <a:off x="3813074" y="2644140"/>
+          <a:ext cx="2889450" cy="720000"/>
+        </a:xfrm>
+        <a:prstGeom prst="rect">
+          <a:avLst/>
+        </a:prstGeom>
+        <a:noFill/>
+        <a:ln>
+          <a:noFill/>
+        </a:ln>
+        <a:effectLst/>
+      </dsp:spPr>
+      <dsp:style>
+        <a:lnRef idx="0">
+          <a:scrgbClr r="0" g="0" b="0"/>
+        </a:lnRef>
+        <a:fillRef idx="0">
+          <a:scrgbClr r="0" g="0" b="0"/>
+        </a:fillRef>
+        <a:effectRef idx="0">
+          <a:scrgbClr r="0" g="0" b="0"/>
+        </a:effectRef>
+        <a:fontRef idx="minor"/>
+      </dsp:style>
+      <dsp:txBody>
+        <a:bodyPr spcFirstLastPara="0" vert="horz" wrap="square" lIns="0" tIns="0" rIns="0" bIns="0" numCol="1" spcCol="1270" anchor="t" anchorCtr="0">
+          <a:noAutofit/>
+        </a:bodyPr>
+        <a:lstStyle/>
+        <a:p>
+          <a:pPr marL="0" lvl="0" indent="0" algn="ctr" defTabSz="1022350">
+            <a:lnSpc>
+              <a:spcPct val="100000"/>
+            </a:lnSpc>
+            <a:spcBef>
+              <a:spcPct val="0"/>
+            </a:spcBef>
+            <a:spcAft>
+              <a:spcPct val="35000"/>
+            </a:spcAft>
+            <a:buNone/>
+          </a:pPr>
+          <a:r>
+            <a:rPr lang="en-US" sz="2300" kern="1200"/>
+            <a:t>Debugging</a:t>
+          </a:r>
+          <a:r>
+            <a:rPr lang="zh-CN" sz="2300" kern="1200"/>
+            <a:t> </a:t>
+          </a:r>
+          <a:r>
+            <a:rPr lang="en-US" sz="2300" kern="1200"/>
+            <a:t>edge</a:t>
+          </a:r>
+          <a:r>
+            <a:rPr lang="zh-CN" sz="2300" kern="1200"/>
+            <a:t> </a:t>
+          </a:r>
+          <a:r>
+            <a:rPr lang="en-US" sz="2300" kern="1200"/>
+            <a:t>impulse</a:t>
+          </a:r>
+          <a:r>
+            <a:rPr lang="zh-CN" sz="2300" kern="1200"/>
+            <a:t> </a:t>
+          </a:r>
+          <a:r>
+            <a:rPr lang="en-US" sz="2300" kern="1200"/>
+            <a:t>library</a:t>
+          </a:r>
+          <a:r>
+            <a:rPr lang="zh-CN" sz="2300" kern="1200"/>
+            <a:t> </a:t>
+          </a:r>
+          <a:r>
+            <a:rPr lang="en-US" sz="2300" kern="1200"/>
+            <a:t>issues</a:t>
+          </a:r>
+        </a:p>
+      </dsp:txBody>
+      <dsp:txXfrm>
+        <a:off x="3813074" y="2644140"/>
+        <a:ext cx="2889450" cy="720000"/>
+      </dsp:txXfrm>
+    </dsp:sp>
+    <dsp:sp modelId="{74564252-A47C-4A0A-9CA7-4E0E7FE290D3}">
+      <dsp:nvSpPr>
+        <dsp:cNvPr id="0" name=""/>
+        <dsp:cNvSpPr/>
+      </dsp:nvSpPr>
+      <dsp:spPr>
+        <a:xfrm>
+          <a:off x="8002777" y="987197"/>
+          <a:ext cx="1300252" cy="1300252"/>
+        </a:xfrm>
+        <a:prstGeom prst="rect">
+          <a:avLst/>
+        </a:prstGeom>
+        <a:blipFill>
+          <a:blip xmlns:r="http://schemas.openxmlformats.org/officeDocument/2006/relationships" r:embed="rId5">
+            <a:extLst>
+              <a:ext uri="{28A0092B-C50C-407E-A947-70E740481C1C}">
+                <a14:useLocalDpi xmlns:a14="http://schemas.microsoft.com/office/drawing/2010/main" val="0"/>
+              </a:ext>
+              <a:ext uri="{96DAC541-7B7A-43D3-8B79-37D633B846F1}">
+                <asvg:svgBlip xmlns:asvg="http://schemas.microsoft.com/office/drawing/2016/SVG/main" r:embed="rId6"/>
+              </a:ext>
+            </a:extLst>
+          </a:blip>
+          <a:stretch>
+            <a:fillRect/>
+          </a:stretch>
+        </a:blipFill>
+        <a:ln w="19050" cap="flat" cmpd="sng" algn="ctr">
+          <a:solidFill>
+            <a:schemeClr val="lt1">
+              <a:hueOff val="0"/>
+              <a:satOff val="0"/>
+              <a:lumOff val="0"/>
+              <a:alphaOff val="0"/>
+            </a:schemeClr>
+          </a:solidFill>
+          <a:prstDash val="solid"/>
+          <a:miter lim="800000"/>
+        </a:ln>
+        <a:effectLst/>
+      </dsp:spPr>
+      <dsp:style>
+        <a:lnRef idx="2">
+          <a:scrgbClr r="0" g="0" b="0"/>
+        </a:lnRef>
+        <a:fillRef idx="1">
+          <a:scrgbClr r="0" g="0" b="0"/>
+        </a:fillRef>
+        <a:effectRef idx="0">
+          <a:scrgbClr r="0" g="0" b="0"/>
+        </a:effectRef>
+        <a:fontRef idx="minor">
+          <a:schemeClr val="lt1"/>
+        </a:fontRef>
+      </dsp:style>
+    </dsp:sp>
+    <dsp:sp modelId="{6CD1C5EE-AAD9-450B-867D-7F038DEB8851}">
+      <dsp:nvSpPr>
+        <dsp:cNvPr id="0" name=""/>
+        <dsp:cNvSpPr/>
+      </dsp:nvSpPr>
+      <dsp:spPr>
+        <a:xfrm>
+          <a:off x="7208178" y="2644140"/>
+          <a:ext cx="2889450" cy="720000"/>
+        </a:xfrm>
+        <a:prstGeom prst="rect">
+          <a:avLst/>
+        </a:prstGeom>
+        <a:noFill/>
+        <a:ln>
+          <a:noFill/>
+        </a:ln>
+        <a:effectLst/>
+      </dsp:spPr>
+      <dsp:style>
+        <a:lnRef idx="0">
+          <a:scrgbClr r="0" g="0" b="0"/>
+        </a:lnRef>
+        <a:fillRef idx="0">
+          <a:scrgbClr r="0" g="0" b="0"/>
+        </a:fillRef>
+        <a:effectRef idx="0">
+          <a:scrgbClr r="0" g="0" b="0"/>
+        </a:effectRef>
+        <a:fontRef idx="minor"/>
+      </dsp:style>
+      <dsp:txBody>
+        <a:bodyPr spcFirstLastPara="0" vert="horz" wrap="square" lIns="0" tIns="0" rIns="0" bIns="0" numCol="1" spcCol="1270" anchor="t" anchorCtr="0">
+          <a:noAutofit/>
+        </a:bodyPr>
+        <a:lstStyle/>
+        <a:p>
+          <a:pPr marL="0" lvl="0" indent="0" algn="ctr" defTabSz="1022350">
+            <a:lnSpc>
+              <a:spcPct val="100000"/>
+            </a:lnSpc>
+            <a:spcBef>
+              <a:spcPct val="0"/>
+            </a:spcBef>
+            <a:spcAft>
+              <a:spcPct val="35000"/>
+            </a:spcAft>
+            <a:buNone/>
+          </a:pPr>
+          <a:r>
+            <a:rPr lang="en-US" sz="2300" kern="1200"/>
+            <a:t>Collect</a:t>
+          </a:r>
+          <a:r>
+            <a:rPr lang="zh-CN" sz="2300" kern="1200"/>
+            <a:t> </a:t>
+          </a:r>
+          <a:r>
+            <a:rPr lang="en-US" sz="2300" kern="1200"/>
+            <a:t>accuracy</a:t>
+          </a:r>
+          <a:r>
+            <a:rPr lang="zh-CN" sz="2300" kern="1200"/>
+            <a:t> </a:t>
+          </a:r>
+          <a:r>
+            <a:rPr lang="en-US" sz="2300" kern="1200"/>
+            <a:t>data</a:t>
+          </a:r>
+        </a:p>
+      </dsp:txBody>
+      <dsp:txXfrm>
+        <a:off x="7208178" y="2644140"/>
+        <a:ext cx="2889450" cy="720000"/>
+      </dsp:txXfrm>
+    </dsp:sp>
+  </dsp:spTree>
+</dsp:drawing>
+</file>
+
+<file path=ppt/diagrams/drawing2.xml><?xml version="1.0" encoding="utf-8"?>
+<dsp:drawing xmlns:dgm="http://schemas.openxmlformats.org/drawingml/2006/diagram" xmlns:dsp="http://schemas.microsoft.com/office/drawing/2008/diagram" xmlns:a="http://schemas.openxmlformats.org/drawingml/2006/main">
+  <dsp:spTree>
+    <dsp:nvGrpSpPr>
+      <dsp:cNvPr id="0" name=""/>
+      <dsp:cNvGrpSpPr/>
+    </dsp:nvGrpSpPr>
+    <dsp:grpSpPr/>
     <dsp:sp modelId="{CAF0D227-01F9-4AD8-9363-536E86094B2F}">
       <dsp:nvSpPr>
         <dsp:cNvPr id="0" name=""/>
@@ -1608,7 +3188,7 @@
         </a:bodyPr>
         <a:lstStyle/>
         <a:p>
-          <a:pPr marL="0" lvl="0" indent="0" algn="ctr" defTabSz="1066800">
+          <a:pPr marL="0" lvl="0" indent="0" algn="ctr" defTabSz="844550">
             <a:lnSpc>
               <a:spcPct val="90000"/>
             </a:lnSpc>
@@ -1622,39 +3202,39 @@
             <a:defRPr cap="all"/>
           </a:pPr>
           <a:r>
-            <a:rPr lang="en-US" sz="2400" kern="1200"/>
+            <a:rPr lang="en-US" sz="1900" kern="1200"/>
             <a:t>For</a:t>
           </a:r>
           <a:r>
-            <a:rPr lang="zh-CN" sz="2400" kern="1200"/>
+            <a:rPr lang="zh-CN" sz="1900" kern="1200"/>
             <a:t> </a:t>
           </a:r>
           <a:r>
-            <a:rPr lang="en-US" sz="2400" kern="1200"/>
+            <a:rPr lang="en-US" sz="1900" kern="1200"/>
             <a:t>implementation</a:t>
           </a:r>
           <a:r>
-            <a:rPr lang="zh-CN" sz="2400" kern="1200"/>
+            <a:rPr lang="zh-CN" sz="1900" kern="1200"/>
             <a:t> </a:t>
           </a:r>
           <a:r>
-            <a:rPr lang="en-US" sz="2400" kern="1200"/>
+            <a:rPr lang="en-US" sz="1900" kern="1200"/>
             <a:t>include</a:t>
           </a:r>
           <a:r>
-            <a:rPr lang="zh-CN" sz="2400" kern="1200"/>
+            <a:rPr lang="zh-CN" sz="1900" kern="1200"/>
             <a:t> </a:t>
           </a:r>
           <a:r>
-            <a:rPr lang="en-US" sz="2400" kern="1200"/>
+            <a:rPr lang="en-US" sz="1900" kern="1200"/>
             <a:t>more</a:t>
           </a:r>
           <a:r>
-            <a:rPr lang="zh-CN" sz="2400" kern="1200"/>
+            <a:rPr lang="zh-CN" sz="1900" kern="1200"/>
             <a:t> </a:t>
           </a:r>
           <a:r>
-            <a:rPr lang="en-US" sz="2400" kern="1200"/>
+            <a:rPr lang="en-US" sz="1900" kern="1200"/>
             <a:t>spices</a:t>
           </a:r>
         </a:p>
@@ -1793,7 +3373,7 @@
         </a:bodyPr>
         <a:lstStyle/>
         <a:p>
-          <a:pPr marL="0" lvl="0" indent="0" algn="ctr" defTabSz="1066800">
+          <a:pPr marL="0" lvl="0" indent="0" algn="ctr" defTabSz="844550">
             <a:lnSpc>
               <a:spcPct val="90000"/>
             </a:lnSpc>
@@ -1807,33 +3387,65 @@
             <a:defRPr cap="all"/>
           </a:pPr>
           <a:r>
-            <a:rPr lang="en-US" sz="2400" kern="1200"/>
-            <a:t>Add</a:t>
+            <a:rPr lang="en-US" altLang="zh-CN" sz="1900" kern="1200" dirty="0"/>
+            <a:t>Analysis</a:t>
           </a:r>
           <a:r>
-            <a:rPr lang="zh-CN" sz="2400" kern="1200"/>
+            <a:rPr lang="zh-CN" altLang="en-US" sz="1900" kern="1200" dirty="0"/>
             <a:t> </a:t>
           </a:r>
           <a:r>
-            <a:rPr lang="en-US" sz="2400" kern="1200"/>
-            <a:t>noise</a:t>
+            <a:rPr lang="en-US" altLang="zh-CN" sz="1900" kern="1200" dirty="0"/>
+            <a:t>of</a:t>
           </a:r>
           <a:r>
-            <a:rPr lang="zh-CN" sz="2400" kern="1200"/>
+            <a:rPr lang="zh-CN" altLang="en-US" sz="1900" kern="1200" dirty="0"/>
             <a:t> </a:t>
           </a:r>
           <a:r>
-            <a:rPr lang="en-US" sz="2400" kern="1200"/>
-            <a:t>into</a:t>
+            <a:rPr lang="en-US" altLang="zh-CN" sz="1900" kern="1200" dirty="0"/>
+            <a:t>Data</a:t>
+          </a:r>
+        </a:p>
+        <a:p>
+          <a:pPr marL="0" lvl="0" indent="0" algn="ctr" defTabSz="844550">
+            <a:lnSpc>
+              <a:spcPct val="90000"/>
+            </a:lnSpc>
+            <a:spcBef>
+              <a:spcPct val="0"/>
+            </a:spcBef>
+            <a:spcAft>
+              <a:spcPct val="35000"/>
+            </a:spcAft>
+            <a:buNone/>
+            <a:defRPr cap="all"/>
+          </a:pPr>
+          <a:r>
+            <a:rPr lang="en-US" altLang="zh-CN" sz="1900" kern="1200" dirty="0"/>
+            <a:t>-Accuracy</a:t>
           </a:r>
           <a:r>
-            <a:rPr lang="zh-CN" sz="2400" kern="1200"/>
+            <a:rPr lang="zh-CN" altLang="en-US" sz="1900" kern="1200" dirty="0"/>
             <a:t> </a:t>
           </a:r>
           <a:r>
-            <a:rPr lang="en-US" sz="2400" kern="1200"/>
-            <a:t>training</a:t>
+            <a:rPr lang="en-US" altLang="zh-CN" sz="1900" kern="1200" dirty="0"/>
+            <a:t>across</a:t>
           </a:r>
+          <a:r>
+            <a:rPr lang="zh-CN" altLang="en-US" sz="1900" kern="1200" dirty="0"/>
+            <a:t> </a:t>
+          </a:r>
+          <a:r>
+            <a:rPr lang="en-US" altLang="zh-CN" sz="1900" kern="1200" dirty="0"/>
+            <a:t>species</a:t>
+          </a:r>
+          <a:r>
+            <a:rPr lang="zh-CN" altLang="en-US" sz="1900" kern="1200" dirty="0"/>
+            <a:t> </a:t>
+          </a:r>
+          <a:endParaRPr lang="en-US" sz="1900" kern="1200" dirty="0"/>
         </a:p>
       </dsp:txBody>
       <dsp:txXfrm>
@@ -1970,7 +3582,7 @@
         </a:bodyPr>
         <a:lstStyle/>
         <a:p>
-          <a:pPr marL="0" lvl="0" indent="0" algn="ctr" defTabSz="1066800">
+          <a:pPr marL="0" lvl="0" indent="0" algn="ctr" defTabSz="844550">
             <a:lnSpc>
               <a:spcPct val="90000"/>
             </a:lnSpc>
@@ -1984,25 +3596,37 @@
             <a:defRPr cap="all"/>
           </a:pPr>
           <a:r>
-            <a:rPr lang="en-US" sz="2400" kern="1200"/>
-            <a:t>Implement</a:t>
+            <a:rPr lang="en-US" altLang="zh-CN" sz="1900" kern="1200" dirty="0"/>
+            <a:t>deliverables</a:t>
+          </a:r>
+        </a:p>
+        <a:p>
+          <a:pPr marL="0" lvl="0" indent="0" algn="ctr" defTabSz="844550">
+            <a:lnSpc>
+              <a:spcPct val="90000"/>
+            </a:lnSpc>
+            <a:spcBef>
+              <a:spcPct val="0"/>
+            </a:spcBef>
+            <a:spcAft>
+              <a:spcPct val="35000"/>
+            </a:spcAft>
+            <a:buNone/>
+            <a:defRPr cap="all"/>
+          </a:pPr>
+          <a:r>
+            <a:rPr lang="en-US" altLang="zh-CN" sz="1900" kern="1200" dirty="0"/>
+            <a:t>-Report,</a:t>
           </a:r>
           <a:r>
-            <a:rPr lang="zh-CN" sz="2400" kern="1200"/>
+            <a:rPr lang="zh-CN" altLang="en-US" sz="1900" kern="1200" dirty="0"/>
             <a:t> </a:t>
           </a:r>
           <a:r>
-            <a:rPr lang="en-US" sz="2400" kern="1200"/>
-            <a:t>into</a:t>
+            <a:rPr lang="en-US" altLang="zh-CN" sz="1900" kern="1200" dirty="0"/>
+            <a:t>etc.</a:t>
           </a:r>
-          <a:r>
-            <a:rPr lang="zh-CN" sz="2400" kern="1200"/>
-            <a:t> </a:t>
-          </a:r>
-          <a:r>
-            <a:rPr lang="en-US" sz="2400" kern="1200"/>
-            <a:t>hardware</a:t>
-          </a:r>
+          <a:endParaRPr lang="en-US" sz="1900" kern="1200" dirty="0"/>
         </a:p>
       </dsp:txBody>
       <dsp:txXfrm>
@@ -2015,6 +3639,196 @@
 </file>
 
 <file path=ppt/diagrams/layout1.xml><?xml version="1.0" encoding="utf-8"?>
+<dgm:layoutDef xmlns:dgm="http://schemas.openxmlformats.org/drawingml/2006/diagram" xmlns:a="http://schemas.openxmlformats.org/drawingml/2006/main" uniqueId="urn:microsoft.com/office/officeart/2018/2/layout/IconLabelList">
+  <dgm:title val="Icon Label List"/>
+  <dgm:desc val="Use to show non-sequential or grouped chunks of information accompanied by a related visuals. Works best with icons or small pictures with short text captions."/>
+  <dgm:catLst>
+    <dgm:cat type="icon" pri="500"/>
+  </dgm:catLst>
+  <dgm:sampData useDef="1">
+    <dgm:dataModel>
+      <dgm:ptLst/>
+      <dgm:bg/>
+      <dgm:whole/>
+    </dgm:dataModel>
+  </dgm:sampData>
+  <dgm:styleData useDef="1">
+    <dgm:dataModel>
+      <dgm:ptLst/>
+      <dgm:bg/>
+      <dgm:whole/>
+    </dgm:dataModel>
+  </dgm:styleData>
+  <dgm:clrData useDef="1">
+    <dgm:dataModel>
+      <dgm:ptLst/>
+      <dgm:bg/>
+      <dgm:whole/>
+    </dgm:dataModel>
+  </dgm:clrData>
+  <dgm:layoutNode name="root">
+    <dgm:varLst>
+      <dgm:dir/>
+      <dgm:resizeHandles val="exact"/>
+    </dgm:varLst>
+    <dgm:choose name="Name0">
+      <dgm:if name="Name1" axis="self" func="var" arg="dir" op="equ" val="norm">
+        <dgm:alg type="snake">
+          <dgm:param type="grDir" val="tL"/>
+          <dgm:param type="flowDir" val="row"/>
+          <dgm:param type="contDir" val="sameDir"/>
+          <dgm:param type="off" val="ctr"/>
+          <dgm:param type="vertAlign" val="mid"/>
+          <dgm:param type="horzAlign" val="ctr"/>
+        </dgm:alg>
+      </dgm:if>
+      <dgm:else name="Name2">
+        <dgm:alg type="snake">
+          <dgm:param type="grDir" val="tR"/>
+          <dgm:param type="flowDir" val="row"/>
+          <dgm:param type="contDir" val="sameDir"/>
+          <dgm:param type="off" val="ctr"/>
+          <dgm:param type="vertAlign" val="mid"/>
+          <dgm:param type="horzAlign" val="ctr"/>
+        </dgm:alg>
+      </dgm:else>
+    </dgm:choose>
+    <dgm:shape xmlns:r="http://schemas.openxmlformats.org/officeDocument/2006/relationships" r:blip="">
+      <dgm:adjLst/>
+    </dgm:shape>
+    <dgm:presOf/>
+    <dgm:choose name="Name3">
+      <dgm:if name="Name4" axis="ch" ptType="node" func="cnt" op="lte" val="2">
+        <dgm:constrLst>
+          <dgm:constr type="h" for="ch" forName="compNode" refType="h" fact="0.4"/>
+          <dgm:constr type="w" for="ch" forName="compNode" val="120"/>
+          <dgm:constr type="w" for="ch" forName="sibTrans" refType="w" refFor="ch" refForName="compNode" fact="0.175"/>
+          <dgm:constr type="sp" refType="w" refFor="ch" refForName="compNode" op="equ" fact="0.25"/>
+          <dgm:constr type="primFontSz" for="des" ptType="node" op="equ" val="50"/>
+          <dgm:constr type="h" for="des" forName="compNode" op="equ"/>
+          <dgm:constr type="h" for="des" forName="textRect" op="equ"/>
+        </dgm:constrLst>
+      </dgm:if>
+      <dgm:if name="Name5" axis="ch" ptType="node" func="cnt" op="lte" val="4">
+        <dgm:constrLst>
+          <dgm:constr type="h" for="ch" forName="compNode" refType="h" fact="0.4"/>
+          <dgm:constr type="w" for="ch" forName="compNode" refType="w"/>
+          <dgm:constr type="w" for="ch" forName="sibTrans" refType="w" refFor="ch" refForName="compNode" fact="0.175"/>
+          <dgm:constr type="sp" refType="w" refFor="ch" refForName="compNode" op="equ" fact="0.25"/>
+          <dgm:constr type="primFontSz" for="des" ptType="node" op="equ" val="36"/>
+          <dgm:constr type="h" for="des" forName="compNode" op="equ"/>
+          <dgm:constr type="h" for="des" forName="textRect" op="equ"/>
+        </dgm:constrLst>
+      </dgm:if>
+      <dgm:else name="Name6">
+        <dgm:constrLst>
+          <dgm:constr type="h" for="ch" forName="compNode" refType="h" fact="0.4"/>
+          <dgm:constr type="w" for="ch" forName="compNode" refType="w"/>
+          <dgm:constr type="w" for="ch" forName="sibTrans" refType="w" refFor="ch" refForName="compNode" fact="0.175"/>
+          <dgm:constr type="sp" refType="w" refFor="ch" refForName="compNode" op="equ" fact="0.25"/>
+          <dgm:constr type="primFontSz" for="des" ptType="node" op="equ" val="24"/>
+          <dgm:constr type="h" for="des" forName="compNode" op="equ"/>
+          <dgm:constr type="h" for="des" forName="textRect" op="equ"/>
+        </dgm:constrLst>
+      </dgm:else>
+    </dgm:choose>
+    <dgm:ruleLst>
+      <dgm:rule type="w" for="ch" forName="compNode" val="50" fact="NaN" max="NaN"/>
+    </dgm:ruleLst>
+    <dgm:forEach name="Name7" axis="ch" ptType="node">
+      <dgm:layoutNode name="compNode">
+        <dgm:alg type="composite"/>
+        <dgm:shape xmlns:r="http://schemas.openxmlformats.org/officeDocument/2006/relationships" r:blip="">
+          <dgm:adjLst/>
+        </dgm:shape>
+        <dgm:presOf axis="self"/>
+        <dgm:constrLst>
+          <dgm:constr type="w" for="ch" forName="iconRect" refType="w" fact="0.45"/>
+          <dgm:constr type="h" for="ch" forName="iconRect" refType="w" refFor="ch" refForName="iconRect"/>
+          <dgm:constr type="ctrX" for="ch" forName="iconRect" refType="w" fact="0.5"/>
+          <dgm:constr type="t" for="ch" forName="iconRect"/>
+          <dgm:constr type="h" for="ch" forName="spaceRect" refType="h" fact="0.15"/>
+          <dgm:constr type="w" for="ch" forName="spaceRect" refType="w"/>
+          <dgm:constr type="l" for="ch" forName="spaceRect"/>
+          <dgm:constr type="t" for="ch" forName="spaceRect" refType="b" refFor="ch" refForName="iconRect"/>
+          <dgm:constr type="h" for="ch" forName="textRect" val="20"/>
+          <dgm:constr type="w" for="ch" forName="textRect" refType="w"/>
+          <dgm:constr type="l" for="ch" forName="textRect"/>
+          <dgm:constr type="t" for="ch" forName="textRect" refType="b" refFor="ch" refForName="spaceRect"/>
+        </dgm:constrLst>
+        <dgm:ruleLst>
+          <dgm:rule type="h" val="INF" fact="NaN" max="NaN"/>
+        </dgm:ruleLst>
+        <dgm:layoutNode name="iconRect" styleLbl="node1">
+          <dgm:alg type="sp"/>
+          <dgm:shape xmlns:r="http://schemas.openxmlformats.org/officeDocument/2006/relationships" type="rect" r:blip="" blipPhldr="1">
+            <dgm:adjLst/>
+          </dgm:shape>
+          <dgm:presOf/>
+          <dgm:constrLst/>
+          <dgm:ruleLst/>
+        </dgm:layoutNode>
+        <dgm:layoutNode name="spaceRect">
+          <dgm:alg type="sp"/>
+          <dgm:shape xmlns:r="http://schemas.openxmlformats.org/officeDocument/2006/relationships" r:blip="">
+            <dgm:adjLst/>
+          </dgm:shape>
+          <dgm:presOf/>
+          <dgm:constrLst/>
+          <dgm:ruleLst/>
+        </dgm:layoutNode>
+        <dgm:layoutNode name="textRect" styleLbl="revTx">
+          <dgm:varLst>
+            <dgm:chMax val="1"/>
+            <dgm:chPref val="1"/>
+          </dgm:varLst>
+          <dgm:alg type="tx">
+            <dgm:param type="txAnchorVert" val="t"/>
+          </dgm:alg>
+          <dgm:shape xmlns:r="http://schemas.openxmlformats.org/officeDocument/2006/relationships" type="rect" r:blip="">
+            <dgm:adjLst/>
+          </dgm:shape>
+          <dgm:presOf axis="self" ptType="node"/>
+          <dgm:constrLst>
+            <dgm:constr type="lMarg"/>
+            <dgm:constr type="rMarg"/>
+            <dgm:constr type="tMarg"/>
+            <dgm:constr type="bMarg"/>
+          </dgm:constrLst>
+          <dgm:ruleLst>
+            <dgm:rule type="primFontSz" val="11" fact="NaN" max="NaN"/>
+            <dgm:rule type="h" val="INF" fact="NaN" max="NaN"/>
+          </dgm:ruleLst>
+        </dgm:layoutNode>
+      </dgm:layoutNode>
+      <dgm:forEach name="Name8" axis="followSib" ptType="sibTrans" cnt="1">
+        <dgm:layoutNode name="sibTrans">
+          <dgm:alg type="sp"/>
+          <dgm:shape xmlns:r="http://schemas.openxmlformats.org/officeDocument/2006/relationships" r:blip="">
+            <dgm:adjLst/>
+          </dgm:shape>
+          <dgm:presOf axis="self"/>
+          <dgm:constrLst/>
+          <dgm:ruleLst/>
+        </dgm:layoutNode>
+      </dgm:forEach>
+    </dgm:forEach>
+  </dgm:layoutNode>
+  <dgm:extLst>
+    <a:ext uri="{68A01E43-0DF5-4B5B-8FA6-DAF915123BFB}">
+      <dgm1612:lstStyle xmlns:dgm1612="http://schemas.microsoft.com/office/drawing/2016/12/diagram">
+        <a:lvl1pPr>
+          <a:lnSpc>
+            <a:spcPct val="100000"/>
+          </a:lnSpc>
+        </a:lvl1pPr>
+      </dgm1612:lstStyle>
+    </a:ext>
+  </dgm:extLst>
+</dgm:layoutDef>
+</file>
+
+<file path=ppt/diagrams/layout2.xml><?xml version="1.0" encoding="utf-8"?>
 <dgm:layoutDef xmlns:dgm="http://schemas.openxmlformats.org/drawingml/2006/diagram" xmlns:a="http://schemas.openxmlformats.org/drawingml/2006/main" uniqueId="urn:microsoft.com/office/officeart/2018/5/layout/IconLeafLabelList">
   <dgm:title val="Icon Leaf Label List"/>
   <dgm:desc val="Use to show non-sequential or grouped chunks of information accompanied by a related visuals. Works best with icons or small pictures with short text captions."/>
@@ -3275,6 +5089,1390 @@
 </dgm:styleDef>
 </file>
 
+<file path=ppt/diagrams/quickStyle2.xml><?xml version="1.0" encoding="utf-8"?>
+<dgm:styleDef xmlns:dgm="http://schemas.openxmlformats.org/drawingml/2006/diagram" xmlns:a="http://schemas.openxmlformats.org/drawingml/2006/main" uniqueId="urn:microsoft.com/office/officeart/2005/8/quickstyle/simple1">
+  <dgm:title val=""/>
+  <dgm:desc val=""/>
+  <dgm:catLst>
+    <dgm:cat type="simple" pri="10100"/>
+  </dgm:catLst>
+  <dgm:scene3d>
+    <a:camera prst="orthographicFront"/>
+    <a:lightRig rig="threePt" dir="t"/>
+  </dgm:scene3d>
+  <dgm:styleLbl name="node0">
+    <dgm:scene3d>
+      <a:camera prst="orthographicFront"/>
+      <a:lightRig rig="threePt" dir="t"/>
+    </dgm:scene3d>
+    <dgm:sp3d/>
+    <dgm:txPr/>
+    <dgm:style>
+      <a:lnRef idx="2">
+        <a:scrgbClr r="0" g="0" b="0"/>
+      </a:lnRef>
+      <a:fillRef idx="1">
+        <a:scrgbClr r="0" g="0" b="0"/>
+      </a:fillRef>
+      <a:effectRef idx="0">
+        <a:scrgbClr r="0" g="0" b="0"/>
+      </a:effectRef>
+      <a:fontRef idx="minor">
+        <a:schemeClr val="lt1"/>
+      </a:fontRef>
+    </dgm:style>
+  </dgm:styleLbl>
+  <dgm:styleLbl name="lnNode1">
+    <dgm:scene3d>
+      <a:camera prst="orthographicFront"/>
+      <a:lightRig rig="threePt" dir="t"/>
+    </dgm:scene3d>
+    <dgm:sp3d/>
+    <dgm:txPr/>
+    <dgm:style>
+      <a:lnRef idx="2">
+        <a:scrgbClr r="0" g="0" b="0"/>
+      </a:lnRef>
+      <a:fillRef idx="1">
+        <a:scrgbClr r="0" g="0" b="0"/>
+      </a:fillRef>
+      <a:effectRef idx="0">
+        <a:scrgbClr r="0" g="0" b="0"/>
+      </a:effectRef>
+      <a:fontRef idx="minor">
+        <a:schemeClr val="lt1"/>
+      </a:fontRef>
+    </dgm:style>
+  </dgm:styleLbl>
+  <dgm:styleLbl name="vennNode1">
+    <dgm:scene3d>
+      <a:camera prst="orthographicFront"/>
+      <a:lightRig rig="threePt" dir="t"/>
+    </dgm:scene3d>
+    <dgm:sp3d/>
+    <dgm:txPr/>
+    <dgm:style>
+      <a:lnRef idx="2">
+        <a:scrgbClr r="0" g="0" b="0"/>
+      </a:lnRef>
+      <a:fillRef idx="1">
+        <a:scrgbClr r="0" g="0" b="0"/>
+      </a:fillRef>
+      <a:effectRef idx="0">
+        <a:scrgbClr r="0" g="0" b="0"/>
+      </a:effectRef>
+      <a:fontRef idx="minor">
+        <a:schemeClr val="tx1"/>
+      </a:fontRef>
+    </dgm:style>
+  </dgm:styleLbl>
+  <dgm:styleLbl name="alignNode1">
+    <dgm:scene3d>
+      <a:camera prst="orthographicFront"/>
+      <a:lightRig rig="threePt" dir="t"/>
+    </dgm:scene3d>
+    <dgm:sp3d/>
+    <dgm:txPr/>
+    <dgm:style>
+      <a:lnRef idx="2">
+        <a:scrgbClr r="0" g="0" b="0"/>
+      </a:lnRef>
+      <a:fillRef idx="1">
+        <a:scrgbClr r="0" g="0" b="0"/>
+      </a:fillRef>
+      <a:effectRef idx="0">
+        <a:scrgbClr r="0" g="0" b="0"/>
+      </a:effectRef>
+      <a:fontRef idx="minor">
+        <a:schemeClr val="lt1"/>
+      </a:fontRef>
+    </dgm:style>
+  </dgm:styleLbl>
+  <dgm:styleLbl name="node1">
+    <dgm:scene3d>
+      <a:camera prst="orthographicFront"/>
+      <a:lightRig rig="threePt" dir="t"/>
+    </dgm:scene3d>
+    <dgm:sp3d/>
+    <dgm:txPr/>
+    <dgm:style>
+      <a:lnRef idx="2">
+        <a:scrgbClr r="0" g="0" b="0"/>
+      </a:lnRef>
+      <a:fillRef idx="1">
+        <a:scrgbClr r="0" g="0" b="0"/>
+      </a:fillRef>
+      <a:effectRef idx="0">
+        <a:scrgbClr r="0" g="0" b="0"/>
+      </a:effectRef>
+      <a:fontRef idx="minor">
+        <a:schemeClr val="lt1"/>
+      </a:fontRef>
+    </dgm:style>
+  </dgm:styleLbl>
+  <dgm:styleLbl name="node2">
+    <dgm:scene3d>
+      <a:camera prst="orthographicFront"/>
+      <a:lightRig rig="threePt" dir="t"/>
+    </dgm:scene3d>
+    <dgm:sp3d/>
+    <dgm:txPr/>
+    <dgm:style>
+      <a:lnRef idx="2">
+        <a:scrgbClr r="0" g="0" b="0"/>
+      </a:lnRef>
+      <a:fillRef idx="1">
+        <a:scrgbClr r="0" g="0" b="0"/>
+      </a:fillRef>
+      <a:effectRef idx="0">
+        <a:scrgbClr r="0" g="0" b="0"/>
+      </a:effectRef>
+      <a:fontRef idx="minor">
+        <a:schemeClr val="lt1"/>
+      </a:fontRef>
+    </dgm:style>
+  </dgm:styleLbl>
+  <dgm:styleLbl name="node3">
+    <dgm:scene3d>
+      <a:camera prst="orthographicFront"/>
+      <a:lightRig rig="threePt" dir="t"/>
+    </dgm:scene3d>
+    <dgm:sp3d/>
+    <dgm:txPr/>
+    <dgm:style>
+      <a:lnRef idx="2">
+        <a:scrgbClr r="0" g="0" b="0"/>
+      </a:lnRef>
+      <a:fillRef idx="1">
+        <a:scrgbClr r="0" g="0" b="0"/>
+      </a:fillRef>
+      <a:effectRef idx="0">
+        <a:scrgbClr r="0" g="0" b="0"/>
+      </a:effectRef>
+      <a:fontRef idx="minor">
+        <a:schemeClr val="lt1"/>
+      </a:fontRef>
+    </dgm:style>
+  </dgm:styleLbl>
+  <dgm:styleLbl name="node4">
+    <dgm:scene3d>
+      <a:camera prst="orthographicFront"/>
+      <a:lightRig rig="threePt" dir="t"/>
+    </dgm:scene3d>
+    <dgm:sp3d/>
+    <dgm:txPr/>
+    <dgm:style>
+      <a:lnRef idx="2">
+        <a:scrgbClr r="0" g="0" b="0"/>
+      </a:lnRef>
+      <a:fillRef idx="1">
+        <a:scrgbClr r="0" g="0" b="0"/>
+      </a:fillRef>
+      <a:effectRef idx="0">
+        <a:scrgbClr r="0" g="0" b="0"/>
+      </a:effectRef>
+      <a:fontRef idx="minor">
+        <a:schemeClr val="lt1"/>
+      </a:fontRef>
+    </dgm:style>
+  </dgm:styleLbl>
+  <dgm:styleLbl name="fgImgPlace1">
+    <dgm:scene3d>
+      <a:camera prst="orthographicFront"/>
+      <a:lightRig rig="threePt" dir="t"/>
+    </dgm:scene3d>
+    <dgm:sp3d/>
+    <dgm:txPr/>
+    <dgm:style>
+      <a:lnRef idx="2">
+        <a:scrgbClr r="0" g="0" b="0"/>
+      </a:lnRef>
+      <a:fillRef idx="1">
+        <a:scrgbClr r="0" g="0" b="0"/>
+      </a:fillRef>
+      <a:effectRef idx="0">
+        <a:scrgbClr r="0" g="0" b="0"/>
+      </a:effectRef>
+      <a:fontRef idx="minor"/>
+    </dgm:style>
+  </dgm:styleLbl>
+  <dgm:styleLbl name="alignImgPlace1">
+    <dgm:scene3d>
+      <a:camera prst="orthographicFront"/>
+      <a:lightRig rig="threePt" dir="t"/>
+    </dgm:scene3d>
+    <dgm:sp3d/>
+    <dgm:txPr/>
+    <dgm:style>
+      <a:lnRef idx="2">
+        <a:scrgbClr r="0" g="0" b="0"/>
+      </a:lnRef>
+      <a:fillRef idx="1">
+        <a:scrgbClr r="0" g="0" b="0"/>
+      </a:fillRef>
+      <a:effectRef idx="0">
+        <a:scrgbClr r="0" g="0" b="0"/>
+      </a:effectRef>
+      <a:fontRef idx="minor"/>
+    </dgm:style>
+  </dgm:styleLbl>
+  <dgm:styleLbl name="bgImgPlace1">
+    <dgm:scene3d>
+      <a:camera prst="orthographicFront"/>
+      <a:lightRig rig="threePt" dir="t"/>
+    </dgm:scene3d>
+    <dgm:sp3d/>
+    <dgm:txPr/>
+    <dgm:style>
+      <a:lnRef idx="2">
+        <a:scrgbClr r="0" g="0" b="0"/>
+      </a:lnRef>
+      <a:fillRef idx="1">
+        <a:scrgbClr r="0" g="0" b="0"/>
+      </a:fillRef>
+      <a:effectRef idx="0">
+        <a:scrgbClr r="0" g="0" b="0"/>
+      </a:effectRef>
+      <a:fontRef idx="minor"/>
+    </dgm:style>
+  </dgm:styleLbl>
+  <dgm:styleLbl name="sibTrans2D1">
+    <dgm:scene3d>
+      <a:camera prst="orthographicFront"/>
+      <a:lightRig rig="threePt" dir="t"/>
+    </dgm:scene3d>
+    <dgm:sp3d/>
+    <dgm:txPr/>
+    <dgm:style>
+      <a:lnRef idx="0">
+        <a:scrgbClr r="0" g="0" b="0"/>
+      </a:lnRef>
+      <a:fillRef idx="1">
+        <a:scrgbClr r="0" g="0" b="0"/>
+      </a:fillRef>
+      <a:effectRef idx="0">
+        <a:scrgbClr r="0" g="0" b="0"/>
+      </a:effectRef>
+      <a:fontRef idx="minor">
+        <a:schemeClr val="lt1"/>
+      </a:fontRef>
+    </dgm:style>
+  </dgm:styleLbl>
+  <dgm:styleLbl name="fgSibTrans2D1">
+    <dgm:scene3d>
+      <a:camera prst="orthographicFront"/>
+      <a:lightRig rig="threePt" dir="t"/>
+    </dgm:scene3d>
+    <dgm:sp3d/>
+    <dgm:txPr/>
+    <dgm:style>
+      <a:lnRef idx="0">
+        <a:scrgbClr r="0" g="0" b="0"/>
+      </a:lnRef>
+      <a:fillRef idx="1">
+        <a:scrgbClr r="0" g="0" b="0"/>
+      </a:fillRef>
+      <a:effectRef idx="0">
+        <a:scrgbClr r="0" g="0" b="0"/>
+      </a:effectRef>
+      <a:fontRef idx="minor">
+        <a:schemeClr val="lt1"/>
+      </a:fontRef>
+    </dgm:style>
+  </dgm:styleLbl>
+  <dgm:styleLbl name="bgSibTrans2D1">
+    <dgm:scene3d>
+      <a:camera prst="orthographicFront"/>
+      <a:lightRig rig="threePt" dir="t"/>
+    </dgm:scene3d>
+    <dgm:sp3d/>
+    <dgm:txPr/>
+    <dgm:style>
+      <a:lnRef idx="0">
+        <a:scrgbClr r="0" g="0" b="0"/>
+      </a:lnRef>
+      <a:fillRef idx="1">
+        <a:scrgbClr r="0" g="0" b="0"/>
+      </a:fillRef>
+      <a:effectRef idx="0">
+        <a:scrgbClr r="0" g="0" b="0"/>
+      </a:effectRef>
+      <a:fontRef idx="minor">
+        <a:schemeClr val="lt1"/>
+      </a:fontRef>
+    </dgm:style>
+  </dgm:styleLbl>
+  <dgm:styleLbl name="sibTrans1D1">
+    <dgm:scene3d>
+      <a:camera prst="orthographicFront"/>
+      <a:lightRig rig="threePt" dir="t"/>
+    </dgm:scene3d>
+    <dgm:sp3d/>
+    <dgm:txPr/>
+    <dgm:style>
+      <a:lnRef idx="1">
+        <a:scrgbClr r="0" g="0" b="0"/>
+      </a:lnRef>
+      <a:fillRef idx="0">
+        <a:scrgbClr r="0" g="0" b="0"/>
+      </a:fillRef>
+      <a:effectRef idx="0">
+        <a:scrgbClr r="0" g="0" b="0"/>
+      </a:effectRef>
+      <a:fontRef idx="minor"/>
+    </dgm:style>
+  </dgm:styleLbl>
+  <dgm:styleLbl name="callout">
+    <dgm:scene3d>
+      <a:camera prst="orthographicFront"/>
+      <a:lightRig rig="threePt" dir="t"/>
+    </dgm:scene3d>
+    <dgm:sp3d/>
+    <dgm:txPr/>
+    <dgm:style>
+      <a:lnRef idx="2">
+        <a:scrgbClr r="0" g="0" b="0"/>
+      </a:lnRef>
+      <a:fillRef idx="1">
+        <a:scrgbClr r="0" g="0" b="0"/>
+      </a:fillRef>
+      <a:effectRef idx="0">
+        <a:scrgbClr r="0" g="0" b="0"/>
+      </a:effectRef>
+      <a:fontRef idx="minor"/>
+    </dgm:style>
+  </dgm:styleLbl>
+  <dgm:styleLbl name="asst0">
+    <dgm:scene3d>
+      <a:camera prst="orthographicFront"/>
+      <a:lightRig rig="threePt" dir="t"/>
+    </dgm:scene3d>
+    <dgm:sp3d/>
+    <dgm:txPr/>
+    <dgm:style>
+      <a:lnRef idx="2">
+        <a:scrgbClr r="0" g="0" b="0"/>
+      </a:lnRef>
+      <a:fillRef idx="1">
+        <a:scrgbClr r="0" g="0" b="0"/>
+      </a:fillRef>
+      <a:effectRef idx="0">
+        <a:scrgbClr r="0" g="0" b="0"/>
+      </a:effectRef>
+      <a:fontRef idx="minor">
+        <a:schemeClr val="lt1"/>
+      </a:fontRef>
+    </dgm:style>
+  </dgm:styleLbl>
+  <dgm:styleLbl name="asst1">
+    <dgm:scene3d>
+      <a:camera prst="orthographicFront"/>
+      <a:lightRig rig="threePt" dir="t"/>
+    </dgm:scene3d>
+    <dgm:sp3d/>
+    <dgm:txPr/>
+    <dgm:style>
+      <a:lnRef idx="2">
+        <a:scrgbClr r="0" g="0" b="0"/>
+      </a:lnRef>
+      <a:fillRef idx="1">
+        <a:scrgbClr r="0" g="0" b="0"/>
+      </a:fillRef>
+      <a:effectRef idx="0">
+        <a:scrgbClr r="0" g="0" b="0"/>
+      </a:effectRef>
+      <a:fontRef idx="minor">
+        <a:schemeClr val="lt1"/>
+      </a:fontRef>
+    </dgm:style>
+  </dgm:styleLbl>
+  <dgm:styleLbl name="asst2">
+    <dgm:scene3d>
+      <a:camera prst="orthographicFront"/>
+      <a:lightRig rig="threePt" dir="t"/>
+    </dgm:scene3d>
+    <dgm:sp3d/>
+    <dgm:txPr/>
+    <dgm:style>
+      <a:lnRef idx="2">
+        <a:scrgbClr r="0" g="0" b="0"/>
+      </a:lnRef>
+      <a:fillRef idx="1">
+        <a:scrgbClr r="0" g="0" b="0"/>
+      </a:fillRef>
+      <a:effectRef idx="0">
+        <a:scrgbClr r="0" g="0" b="0"/>
+      </a:effectRef>
+      <a:fontRef idx="minor">
+        <a:schemeClr val="lt1"/>
+      </a:fontRef>
+    </dgm:style>
+  </dgm:styleLbl>
+  <dgm:styleLbl name="asst3">
+    <dgm:scene3d>
+      <a:camera prst="orthographicFront"/>
+      <a:lightRig rig="threePt" dir="t"/>
+    </dgm:scene3d>
+    <dgm:sp3d/>
+    <dgm:txPr/>
+    <dgm:style>
+      <a:lnRef idx="2">
+        <a:scrgbClr r="0" g="0" b="0"/>
+      </a:lnRef>
+      <a:fillRef idx="1">
+        <a:scrgbClr r="0" g="0" b="0"/>
+      </a:fillRef>
+      <a:effectRef idx="0">
+        <a:scrgbClr r="0" g="0" b="0"/>
+      </a:effectRef>
+      <a:fontRef idx="minor">
+        <a:schemeClr val="lt1"/>
+      </a:fontRef>
+    </dgm:style>
+  </dgm:styleLbl>
+  <dgm:styleLbl name="asst4">
+    <dgm:scene3d>
+      <a:camera prst="orthographicFront"/>
+      <a:lightRig rig="threePt" dir="t"/>
+    </dgm:scene3d>
+    <dgm:sp3d/>
+    <dgm:txPr/>
+    <dgm:style>
+      <a:lnRef idx="2">
+        <a:scrgbClr r="0" g="0" b="0"/>
+      </a:lnRef>
+      <a:fillRef idx="1">
+        <a:scrgbClr r="0" g="0" b="0"/>
+      </a:fillRef>
+      <a:effectRef idx="0">
+        <a:scrgbClr r="0" g="0" b="0"/>
+      </a:effectRef>
+      <a:fontRef idx="minor">
+        <a:schemeClr val="lt1"/>
+      </a:fontRef>
+    </dgm:style>
+  </dgm:styleLbl>
+  <dgm:styleLbl name="parChTrans2D1">
+    <dgm:scene3d>
+      <a:camera prst="orthographicFront"/>
+      <a:lightRig rig="threePt" dir="t"/>
+    </dgm:scene3d>
+    <dgm:sp3d/>
+    <dgm:txPr/>
+    <dgm:style>
+      <a:lnRef idx="2">
+        <a:scrgbClr r="0" g="0" b="0"/>
+      </a:lnRef>
+      <a:fillRef idx="1">
+        <a:scrgbClr r="0" g="0" b="0"/>
+      </a:fillRef>
+      <a:effectRef idx="0">
+        <a:scrgbClr r="0" g="0" b="0"/>
+      </a:effectRef>
+      <a:fontRef idx="minor">
+        <a:schemeClr val="lt1"/>
+      </a:fontRef>
+    </dgm:style>
+  </dgm:styleLbl>
+  <dgm:styleLbl name="parChTrans2D2">
+    <dgm:scene3d>
+      <a:camera prst="orthographicFront"/>
+      <a:lightRig rig="threePt" dir="t"/>
+    </dgm:scene3d>
+    <dgm:sp3d/>
+    <dgm:txPr/>
+    <dgm:style>
+      <a:lnRef idx="2">
+        <a:scrgbClr r="0" g="0" b="0"/>
+      </a:lnRef>
+      <a:fillRef idx="1">
+        <a:scrgbClr r="0" g="0" b="0"/>
+      </a:fillRef>
+      <a:effectRef idx="0">
+        <a:scrgbClr r="0" g="0" b="0"/>
+      </a:effectRef>
+      <a:fontRef idx="minor">
+        <a:schemeClr val="lt1"/>
+      </a:fontRef>
+    </dgm:style>
+  </dgm:styleLbl>
+  <dgm:styleLbl name="parChTrans2D3">
+    <dgm:scene3d>
+      <a:camera prst="orthographicFront"/>
+      <a:lightRig rig="threePt" dir="t"/>
+    </dgm:scene3d>
+    <dgm:sp3d/>
+    <dgm:txPr/>
+    <dgm:style>
+      <a:lnRef idx="2">
+        <a:scrgbClr r="0" g="0" b="0"/>
+      </a:lnRef>
+      <a:fillRef idx="1">
+        <a:scrgbClr r="0" g="0" b="0"/>
+      </a:fillRef>
+      <a:effectRef idx="0">
+        <a:scrgbClr r="0" g="0" b="0"/>
+      </a:effectRef>
+      <a:fontRef idx="minor">
+        <a:schemeClr val="lt1"/>
+      </a:fontRef>
+    </dgm:style>
+  </dgm:styleLbl>
+  <dgm:styleLbl name="parChTrans2D4">
+    <dgm:scene3d>
+      <a:camera prst="orthographicFront"/>
+      <a:lightRig rig="threePt" dir="t"/>
+    </dgm:scene3d>
+    <dgm:sp3d/>
+    <dgm:txPr/>
+    <dgm:style>
+      <a:lnRef idx="2">
+        <a:scrgbClr r="0" g="0" b="0"/>
+      </a:lnRef>
+      <a:fillRef idx="1">
+        <a:scrgbClr r="0" g="0" b="0"/>
+      </a:fillRef>
+      <a:effectRef idx="0">
+        <a:scrgbClr r="0" g="0" b="0"/>
+      </a:effectRef>
+      <a:fontRef idx="minor">
+        <a:schemeClr val="lt1"/>
+      </a:fontRef>
+    </dgm:style>
+  </dgm:styleLbl>
+  <dgm:styleLbl name="parChTrans1D1">
+    <dgm:scene3d>
+      <a:camera prst="orthographicFront"/>
+      <a:lightRig rig="threePt" dir="t"/>
+    </dgm:scene3d>
+    <dgm:sp3d/>
+    <dgm:txPr/>
+    <dgm:style>
+      <a:lnRef idx="2">
+        <a:scrgbClr r="0" g="0" b="0"/>
+      </a:lnRef>
+      <a:fillRef idx="0">
+        <a:scrgbClr r="0" g="0" b="0"/>
+      </a:fillRef>
+      <a:effectRef idx="0">
+        <a:scrgbClr r="0" g="0" b="0"/>
+      </a:effectRef>
+      <a:fontRef idx="minor"/>
+    </dgm:style>
+  </dgm:styleLbl>
+  <dgm:styleLbl name="parChTrans1D2">
+    <dgm:scene3d>
+      <a:camera prst="orthographicFront"/>
+      <a:lightRig rig="threePt" dir="t"/>
+    </dgm:scene3d>
+    <dgm:sp3d/>
+    <dgm:txPr/>
+    <dgm:style>
+      <a:lnRef idx="2">
+        <a:scrgbClr r="0" g="0" b="0"/>
+      </a:lnRef>
+      <a:fillRef idx="0">
+        <a:scrgbClr r="0" g="0" b="0"/>
+      </a:fillRef>
+      <a:effectRef idx="0">
+        <a:scrgbClr r="0" g="0" b="0"/>
+      </a:effectRef>
+      <a:fontRef idx="minor"/>
+    </dgm:style>
+  </dgm:styleLbl>
+  <dgm:styleLbl name="parChTrans1D3">
+    <dgm:scene3d>
+      <a:camera prst="orthographicFront"/>
+      <a:lightRig rig="threePt" dir="t"/>
+    </dgm:scene3d>
+    <dgm:sp3d/>
+    <dgm:txPr/>
+    <dgm:style>
+      <a:lnRef idx="2">
+        <a:scrgbClr r="0" g="0" b="0"/>
+      </a:lnRef>
+      <a:fillRef idx="0">
+        <a:scrgbClr r="0" g="0" b="0"/>
+      </a:fillRef>
+      <a:effectRef idx="0">
+        <a:scrgbClr r="0" g="0" b="0"/>
+      </a:effectRef>
+      <a:fontRef idx="minor"/>
+    </dgm:style>
+  </dgm:styleLbl>
+  <dgm:styleLbl name="parChTrans1D4">
+    <dgm:scene3d>
+      <a:camera prst="orthographicFront"/>
+      <a:lightRig rig="threePt" dir="t"/>
+    </dgm:scene3d>
+    <dgm:sp3d/>
+    <dgm:txPr/>
+    <dgm:style>
+      <a:lnRef idx="2">
+        <a:scrgbClr r="0" g="0" b="0"/>
+      </a:lnRef>
+      <a:fillRef idx="0">
+        <a:scrgbClr r="0" g="0" b="0"/>
+      </a:fillRef>
+      <a:effectRef idx="0">
+        <a:scrgbClr r="0" g="0" b="0"/>
+      </a:effectRef>
+      <a:fontRef idx="minor"/>
+    </dgm:style>
+  </dgm:styleLbl>
+  <dgm:styleLbl name="fgAcc1">
+    <dgm:scene3d>
+      <a:camera prst="orthographicFront"/>
+      <a:lightRig rig="threePt" dir="t"/>
+    </dgm:scene3d>
+    <dgm:sp3d/>
+    <dgm:txPr/>
+    <dgm:style>
+      <a:lnRef idx="2">
+        <a:scrgbClr r="0" g="0" b="0"/>
+      </a:lnRef>
+      <a:fillRef idx="1">
+        <a:scrgbClr r="0" g="0" b="0"/>
+      </a:fillRef>
+      <a:effectRef idx="0">
+        <a:scrgbClr r="0" g="0" b="0"/>
+      </a:effectRef>
+      <a:fontRef idx="minor"/>
+    </dgm:style>
+  </dgm:styleLbl>
+  <dgm:styleLbl name="conFgAcc1">
+    <dgm:scene3d>
+      <a:camera prst="orthographicFront"/>
+      <a:lightRig rig="threePt" dir="t"/>
+    </dgm:scene3d>
+    <dgm:sp3d/>
+    <dgm:txPr/>
+    <dgm:style>
+      <a:lnRef idx="2">
+        <a:scrgbClr r="0" g="0" b="0"/>
+      </a:lnRef>
+      <a:fillRef idx="1">
+        <a:scrgbClr r="0" g="0" b="0"/>
+      </a:fillRef>
+      <a:effectRef idx="0">
+        <a:scrgbClr r="0" g="0" b="0"/>
+      </a:effectRef>
+      <a:fontRef idx="minor"/>
+    </dgm:style>
+  </dgm:styleLbl>
+  <dgm:styleLbl name="alignAcc1">
+    <dgm:scene3d>
+      <a:camera prst="orthographicFront"/>
+      <a:lightRig rig="threePt" dir="t"/>
+    </dgm:scene3d>
+    <dgm:sp3d/>
+    <dgm:txPr/>
+    <dgm:style>
+      <a:lnRef idx="2">
+        <a:scrgbClr r="0" g="0" b="0"/>
+      </a:lnRef>
+      <a:fillRef idx="1">
+        <a:scrgbClr r="0" g="0" b="0"/>
+      </a:fillRef>
+      <a:effectRef idx="0">
+        <a:scrgbClr r="0" g="0" b="0"/>
+      </a:effectRef>
+      <a:fontRef idx="minor"/>
+    </dgm:style>
+  </dgm:styleLbl>
+  <dgm:styleLbl name="trAlignAcc1">
+    <dgm:scene3d>
+      <a:camera prst="orthographicFront"/>
+      <a:lightRig rig="threePt" dir="t"/>
+    </dgm:scene3d>
+    <dgm:sp3d/>
+    <dgm:txPr/>
+    <dgm:style>
+      <a:lnRef idx="1">
+        <a:scrgbClr r="0" g="0" b="0"/>
+      </a:lnRef>
+      <a:fillRef idx="1">
+        <a:scrgbClr r="0" g="0" b="0"/>
+      </a:fillRef>
+      <a:effectRef idx="0">
+        <a:scrgbClr r="0" g="0" b="0"/>
+      </a:effectRef>
+      <a:fontRef idx="minor"/>
+    </dgm:style>
+  </dgm:styleLbl>
+  <dgm:styleLbl name="bgAcc1">
+    <dgm:scene3d>
+      <a:camera prst="orthographicFront"/>
+      <a:lightRig rig="threePt" dir="t"/>
+    </dgm:scene3d>
+    <dgm:sp3d/>
+    <dgm:txPr/>
+    <dgm:style>
+      <a:lnRef idx="2">
+        <a:scrgbClr r="0" g="0" b="0"/>
+      </a:lnRef>
+      <a:fillRef idx="1">
+        <a:scrgbClr r="0" g="0" b="0"/>
+      </a:fillRef>
+      <a:effectRef idx="0">
+        <a:scrgbClr r="0" g="0" b="0"/>
+      </a:effectRef>
+      <a:fontRef idx="minor"/>
+    </dgm:style>
+  </dgm:styleLbl>
+  <dgm:styleLbl name="solidFgAcc1">
+    <dgm:scene3d>
+      <a:camera prst="orthographicFront"/>
+      <a:lightRig rig="threePt" dir="t"/>
+    </dgm:scene3d>
+    <dgm:sp3d/>
+    <dgm:txPr/>
+    <dgm:style>
+      <a:lnRef idx="2">
+        <a:scrgbClr r="0" g="0" b="0"/>
+      </a:lnRef>
+      <a:fillRef idx="1">
+        <a:scrgbClr r="0" g="0" b="0"/>
+      </a:fillRef>
+      <a:effectRef idx="0">
+        <a:scrgbClr r="0" g="0" b="0"/>
+      </a:effectRef>
+      <a:fontRef idx="minor"/>
+    </dgm:style>
+  </dgm:styleLbl>
+  <dgm:styleLbl name="solidAlignAcc1">
+    <dgm:scene3d>
+      <a:camera prst="orthographicFront"/>
+      <a:lightRig rig="threePt" dir="t"/>
+    </dgm:scene3d>
+    <dgm:sp3d/>
+    <dgm:txPr/>
+    <dgm:style>
+      <a:lnRef idx="2">
+        <a:scrgbClr r="0" g="0" b="0"/>
+      </a:lnRef>
+      <a:fillRef idx="1">
+        <a:scrgbClr r="0" g="0" b="0"/>
+      </a:fillRef>
+      <a:effectRef idx="0">
+        <a:scrgbClr r="0" g="0" b="0"/>
+      </a:effectRef>
+      <a:fontRef idx="minor"/>
+    </dgm:style>
+  </dgm:styleLbl>
+  <dgm:styleLbl name="solidBgAcc1">
+    <dgm:scene3d>
+      <a:camera prst="orthographicFront"/>
+      <a:lightRig rig="threePt" dir="t"/>
+    </dgm:scene3d>
+    <dgm:sp3d/>
+    <dgm:txPr/>
+    <dgm:style>
+      <a:lnRef idx="2">
+        <a:scrgbClr r="0" g="0" b="0"/>
+      </a:lnRef>
+      <a:fillRef idx="1">
+        <a:scrgbClr r="0" g="0" b="0"/>
+      </a:fillRef>
+      <a:effectRef idx="0">
+        <a:scrgbClr r="0" g="0" b="0"/>
+      </a:effectRef>
+      <a:fontRef idx="minor"/>
+    </dgm:style>
+  </dgm:styleLbl>
+  <dgm:styleLbl name="fgAccFollowNode1">
+    <dgm:scene3d>
+      <a:camera prst="orthographicFront"/>
+      <a:lightRig rig="threePt" dir="t"/>
+    </dgm:scene3d>
+    <dgm:sp3d/>
+    <dgm:txPr/>
+    <dgm:style>
+      <a:lnRef idx="2">
+        <a:scrgbClr r="0" g="0" b="0"/>
+      </a:lnRef>
+      <a:fillRef idx="1">
+        <a:scrgbClr r="0" g="0" b="0"/>
+      </a:fillRef>
+      <a:effectRef idx="0">
+        <a:scrgbClr r="0" g="0" b="0"/>
+      </a:effectRef>
+      <a:fontRef idx="minor"/>
+    </dgm:style>
+  </dgm:styleLbl>
+  <dgm:styleLbl name="alignAccFollowNode1">
+    <dgm:scene3d>
+      <a:camera prst="orthographicFront"/>
+      <a:lightRig rig="threePt" dir="t"/>
+    </dgm:scene3d>
+    <dgm:sp3d/>
+    <dgm:txPr/>
+    <dgm:style>
+      <a:lnRef idx="2">
+        <a:scrgbClr r="0" g="0" b="0"/>
+      </a:lnRef>
+      <a:fillRef idx="1">
+        <a:scrgbClr r="0" g="0" b="0"/>
+      </a:fillRef>
+      <a:effectRef idx="0">
+        <a:scrgbClr r="0" g="0" b="0"/>
+      </a:effectRef>
+      <a:fontRef idx="minor"/>
+    </dgm:style>
+  </dgm:styleLbl>
+  <dgm:styleLbl name="bgAccFollowNode1">
+    <dgm:scene3d>
+      <a:camera prst="orthographicFront"/>
+      <a:lightRig rig="threePt" dir="t"/>
+    </dgm:scene3d>
+    <dgm:sp3d/>
+    <dgm:txPr/>
+    <dgm:style>
+      <a:lnRef idx="2">
+        <a:scrgbClr r="0" g="0" b="0"/>
+      </a:lnRef>
+      <a:fillRef idx="1">
+        <a:scrgbClr r="0" g="0" b="0"/>
+      </a:fillRef>
+      <a:effectRef idx="0">
+        <a:scrgbClr r="0" g="0" b="0"/>
+      </a:effectRef>
+      <a:fontRef idx="minor"/>
+    </dgm:style>
+  </dgm:styleLbl>
+  <dgm:styleLbl name="fgAcc0">
+    <dgm:scene3d>
+      <a:camera prst="orthographicFront"/>
+      <a:lightRig rig="threePt" dir="t"/>
+    </dgm:scene3d>
+    <dgm:sp3d/>
+    <dgm:txPr/>
+    <dgm:style>
+      <a:lnRef idx="2">
+        <a:scrgbClr r="0" g="0" b="0"/>
+      </a:lnRef>
+      <a:fillRef idx="1">
+        <a:scrgbClr r="0" g="0" b="0"/>
+      </a:fillRef>
+      <a:effectRef idx="0">
+        <a:scrgbClr r="0" g="0" b="0"/>
+      </a:effectRef>
+      <a:fontRef idx="minor"/>
+    </dgm:style>
+  </dgm:styleLbl>
+  <dgm:styleLbl name="fgAcc2">
+    <dgm:scene3d>
+      <a:camera prst="orthographicFront"/>
+      <a:lightRig rig="threePt" dir="t"/>
+    </dgm:scene3d>
+    <dgm:sp3d/>
+    <dgm:txPr/>
+    <dgm:style>
+      <a:lnRef idx="2">
+        <a:scrgbClr r="0" g="0" b="0"/>
+      </a:lnRef>
+      <a:fillRef idx="1">
+        <a:scrgbClr r="0" g="0" b="0"/>
+      </a:fillRef>
+      <a:effectRef idx="0">
+        <a:scrgbClr r="0" g="0" b="0"/>
+      </a:effectRef>
+      <a:fontRef idx="minor"/>
+    </dgm:style>
+  </dgm:styleLbl>
+  <dgm:styleLbl name="fgAcc3">
+    <dgm:scene3d>
+      <a:camera prst="orthographicFront"/>
+      <a:lightRig rig="threePt" dir="t"/>
+    </dgm:scene3d>
+    <dgm:sp3d/>
+    <dgm:txPr/>
+    <dgm:style>
+      <a:lnRef idx="2">
+        <a:scrgbClr r="0" g="0" b="0"/>
+      </a:lnRef>
+      <a:fillRef idx="1">
+        <a:scrgbClr r="0" g="0" b="0"/>
+      </a:fillRef>
+      <a:effectRef idx="0">
+        <a:scrgbClr r="0" g="0" b="0"/>
+      </a:effectRef>
+      <a:fontRef idx="minor"/>
+    </dgm:style>
+  </dgm:styleLbl>
+  <dgm:styleLbl name="fgAcc4">
+    <dgm:scene3d>
+      <a:camera prst="orthographicFront"/>
+      <a:lightRig rig="threePt" dir="t"/>
+    </dgm:scene3d>
+    <dgm:sp3d/>
+    <dgm:txPr/>
+    <dgm:style>
+      <a:lnRef idx="2">
+        <a:scrgbClr r="0" g="0" b="0"/>
+      </a:lnRef>
+      <a:fillRef idx="1">
+        <a:scrgbClr r="0" g="0" b="0"/>
+      </a:fillRef>
+      <a:effectRef idx="0">
+        <a:scrgbClr r="0" g="0" b="0"/>
+      </a:effectRef>
+      <a:fontRef idx="minor"/>
+    </dgm:style>
+  </dgm:styleLbl>
+  <dgm:styleLbl name="bgShp">
+    <dgm:scene3d>
+      <a:camera prst="orthographicFront"/>
+      <a:lightRig rig="threePt" dir="t"/>
+    </dgm:scene3d>
+    <dgm:sp3d/>
+    <dgm:txPr/>
+    <dgm:style>
+      <a:lnRef idx="0">
+        <a:scrgbClr r="0" g="0" b="0"/>
+      </a:lnRef>
+      <a:fillRef idx="1">
+        <a:scrgbClr r="0" g="0" b="0"/>
+      </a:fillRef>
+      <a:effectRef idx="0">
+        <a:scrgbClr r="0" g="0" b="0"/>
+      </a:effectRef>
+      <a:fontRef idx="minor"/>
+    </dgm:style>
+  </dgm:styleLbl>
+  <dgm:styleLbl name="dkBgShp">
+    <dgm:scene3d>
+      <a:camera prst="orthographicFront"/>
+      <a:lightRig rig="threePt" dir="t"/>
+    </dgm:scene3d>
+    <dgm:sp3d/>
+    <dgm:txPr/>
+    <dgm:style>
+      <a:lnRef idx="0">
+        <a:scrgbClr r="0" g="0" b="0"/>
+      </a:lnRef>
+      <a:fillRef idx="1">
+        <a:scrgbClr r="0" g="0" b="0"/>
+      </a:fillRef>
+      <a:effectRef idx="0">
+        <a:scrgbClr r="0" g="0" b="0"/>
+      </a:effectRef>
+      <a:fontRef idx="minor"/>
+    </dgm:style>
+  </dgm:styleLbl>
+  <dgm:styleLbl name="trBgShp">
+    <dgm:scene3d>
+      <a:camera prst="orthographicFront"/>
+      <a:lightRig rig="threePt" dir="t"/>
+    </dgm:scene3d>
+    <dgm:sp3d/>
+    <dgm:txPr/>
+    <dgm:style>
+      <a:lnRef idx="0">
+        <a:scrgbClr r="0" g="0" b="0"/>
+      </a:lnRef>
+      <a:fillRef idx="1">
+        <a:scrgbClr r="0" g="0" b="0"/>
+      </a:fillRef>
+      <a:effectRef idx="0">
+        <a:scrgbClr r="0" g="0" b="0"/>
+      </a:effectRef>
+      <a:fontRef idx="minor"/>
+    </dgm:style>
+  </dgm:styleLbl>
+  <dgm:styleLbl name="fgShp">
+    <dgm:scene3d>
+      <a:camera prst="orthographicFront"/>
+      <a:lightRig rig="threePt" dir="t"/>
+    </dgm:scene3d>
+    <dgm:sp3d/>
+    <dgm:txPr/>
+    <dgm:style>
+      <a:lnRef idx="2">
+        <a:scrgbClr r="0" g="0" b="0"/>
+      </a:lnRef>
+      <a:fillRef idx="1">
+        <a:scrgbClr r="0" g="0" b="0"/>
+      </a:fillRef>
+      <a:effectRef idx="0">
+        <a:scrgbClr r="0" g="0" b="0"/>
+      </a:effectRef>
+      <a:fontRef idx="minor"/>
+    </dgm:style>
+  </dgm:styleLbl>
+  <dgm:styleLbl name="revTx">
+    <dgm:scene3d>
+      <a:camera prst="orthographicFront"/>
+      <a:lightRig rig="threePt" dir="t"/>
+    </dgm:scene3d>
+    <dgm:sp3d/>
+    <dgm:txPr/>
+    <dgm:style>
+      <a:lnRef idx="0">
+        <a:scrgbClr r="0" g="0" b="0"/>
+      </a:lnRef>
+      <a:fillRef idx="0">
+        <a:scrgbClr r="0" g="0" b="0"/>
+      </a:fillRef>
+      <a:effectRef idx="0">
+        <a:scrgbClr r="0" g="0" b="0"/>
+      </a:effectRef>
+      <a:fontRef idx="minor"/>
+    </dgm:style>
+  </dgm:styleLbl>
+</dgm:styleDef>
+</file>
+
+<file path=ppt/notesMasters/notesMaster1.xml><?xml version="1.0" encoding="utf-8"?>
+<p:notesMaster xmlns:a="http://schemas.openxmlformats.org/drawingml/2006/main" xmlns:r="http://schemas.openxmlformats.org/officeDocument/2006/relationships" xmlns:p="http://schemas.openxmlformats.org/presentationml/2006/main">
+  <p:cSld>
+    <p:bg>
+      <p:bgRef idx="1001">
+        <a:schemeClr val="bg1"/>
+      </p:bgRef>
+    </p:bg>
+    <p:spTree>
+      <p:nvGrpSpPr>
+        <p:cNvPr id="1" name=""/>
+        <p:cNvGrpSpPr/>
+        <p:nvPr/>
+      </p:nvGrpSpPr>
+      <p:grpSpPr>
+        <a:xfrm>
+          <a:off x="0" y="0"/>
+          <a:ext cx="0" cy="0"/>
+          <a:chOff x="0" y="0"/>
+          <a:chExt cx="0" cy="0"/>
+        </a:xfrm>
+      </p:grpSpPr>
+      <p:sp>
+        <p:nvSpPr>
+          <p:cNvPr id="2" name="Header Placeholder 1"/>
+          <p:cNvSpPr>
+            <a:spLocks noGrp="1"/>
+          </p:cNvSpPr>
+          <p:nvPr>
+            <p:ph type="hdr" sz="quarter"/>
+          </p:nvPr>
+        </p:nvSpPr>
+        <p:spPr>
+          <a:xfrm>
+            <a:off x="0" y="0"/>
+            <a:ext cx="2971800" cy="458788"/>
+          </a:xfrm>
+          <a:prstGeom prst="rect">
+            <a:avLst/>
+          </a:prstGeom>
+        </p:spPr>
+        <p:txBody>
+          <a:bodyPr vert="horz" lIns="91440" tIns="45720" rIns="91440" bIns="45720" rtlCol="0"/>
+          <a:lstStyle>
+            <a:lvl1pPr algn="l">
+              <a:defRPr sz="1200"/>
+            </a:lvl1pPr>
+          </a:lstStyle>
+          <a:p>
+            <a:endParaRPr lang="en-CN"/>
+          </a:p>
+        </p:txBody>
+      </p:sp>
+      <p:sp>
+        <p:nvSpPr>
+          <p:cNvPr id="3" name="Date Placeholder 2"/>
+          <p:cNvSpPr>
+            <a:spLocks noGrp="1"/>
+          </p:cNvSpPr>
+          <p:nvPr>
+            <p:ph type="dt" idx="1"/>
+          </p:nvPr>
+        </p:nvSpPr>
+        <p:spPr>
+          <a:xfrm>
+            <a:off x="3884613" y="0"/>
+            <a:ext cx="2971800" cy="458788"/>
+          </a:xfrm>
+          <a:prstGeom prst="rect">
+            <a:avLst/>
+          </a:prstGeom>
+        </p:spPr>
+        <p:txBody>
+          <a:bodyPr vert="horz" lIns="91440" tIns="45720" rIns="91440" bIns="45720" rtlCol="0"/>
+          <a:lstStyle>
+            <a:lvl1pPr algn="r">
+              <a:defRPr sz="1200"/>
+            </a:lvl1pPr>
+          </a:lstStyle>
+          <a:p>
+            <a:fld id="{04C67097-EB58-D544-8D60-9DAF7B0C1EA2}" type="datetimeFigureOut">
+              <a:rPr lang="en-CN" smtClean="0"/>
+              <a:t>2025/12/9</a:t>
+            </a:fld>
+            <a:endParaRPr lang="en-CN"/>
+          </a:p>
+        </p:txBody>
+      </p:sp>
+      <p:sp>
+        <p:nvSpPr>
+          <p:cNvPr id="4" name="Slide Image Placeholder 3"/>
+          <p:cNvSpPr>
+            <a:spLocks noGrp="1" noRot="1" noChangeAspect="1"/>
+          </p:cNvSpPr>
+          <p:nvPr>
+            <p:ph type="sldImg" idx="2"/>
+          </p:nvPr>
+        </p:nvSpPr>
+        <p:spPr>
+          <a:xfrm>
+            <a:off x="685800" y="1143000"/>
+            <a:ext cx="5486400" cy="3086100"/>
+          </a:xfrm>
+          <a:prstGeom prst="rect">
+            <a:avLst/>
+          </a:prstGeom>
+          <a:noFill/>
+          <a:ln w="12700">
+            <a:solidFill>
+              <a:prstClr val="black"/>
+            </a:solidFill>
+          </a:ln>
+        </p:spPr>
+        <p:txBody>
+          <a:bodyPr vert="horz" lIns="91440" tIns="45720" rIns="91440" bIns="45720" rtlCol="0" anchor="ctr"/>
+          <a:lstStyle/>
+          <a:p>
+            <a:endParaRPr lang="en-CN"/>
+          </a:p>
+        </p:txBody>
+      </p:sp>
+      <p:sp>
+        <p:nvSpPr>
+          <p:cNvPr id="5" name="Notes Placeholder 4"/>
+          <p:cNvSpPr>
+            <a:spLocks noGrp="1"/>
+          </p:cNvSpPr>
+          <p:nvPr>
+            <p:ph type="body" sz="quarter" idx="3"/>
+          </p:nvPr>
+        </p:nvSpPr>
+        <p:spPr>
+          <a:xfrm>
+            <a:off x="685800" y="4400550"/>
+            <a:ext cx="5486400" cy="3600450"/>
+          </a:xfrm>
+          <a:prstGeom prst="rect">
+            <a:avLst/>
+          </a:prstGeom>
+        </p:spPr>
+        <p:txBody>
+          <a:bodyPr vert="horz" lIns="91440" tIns="45720" rIns="91440" bIns="45720" rtlCol="0"/>
+          <a:lstStyle/>
+          <a:p>
+            <a:pPr lvl="0"/>
+            <a:r>
+              <a:rPr lang="en-US"/>
+              <a:t>Click to edit Master text styles</a:t>
+            </a:r>
+          </a:p>
+          <a:p>
+            <a:pPr lvl="1"/>
+            <a:r>
+              <a:rPr lang="en-US"/>
+              <a:t>Second level</a:t>
+            </a:r>
+          </a:p>
+          <a:p>
+            <a:pPr lvl="2"/>
+            <a:r>
+              <a:rPr lang="en-US"/>
+              <a:t>Third level</a:t>
+            </a:r>
+          </a:p>
+          <a:p>
+            <a:pPr lvl="3"/>
+            <a:r>
+              <a:rPr lang="en-US"/>
+              <a:t>Fourth level</a:t>
+            </a:r>
+          </a:p>
+          <a:p>
+            <a:pPr lvl="4"/>
+            <a:r>
+              <a:rPr lang="en-US"/>
+              <a:t>Fifth level</a:t>
+            </a:r>
+            <a:endParaRPr lang="en-CN"/>
+          </a:p>
+        </p:txBody>
+      </p:sp>
+      <p:sp>
+        <p:nvSpPr>
+          <p:cNvPr id="6" name="Footer Placeholder 5"/>
+          <p:cNvSpPr>
+            <a:spLocks noGrp="1"/>
+          </p:cNvSpPr>
+          <p:nvPr>
+            <p:ph type="ftr" sz="quarter" idx="4"/>
+          </p:nvPr>
+        </p:nvSpPr>
+        <p:spPr>
+          <a:xfrm>
+            <a:off x="0" y="8685213"/>
+            <a:ext cx="2971800" cy="458787"/>
+          </a:xfrm>
+          <a:prstGeom prst="rect">
+            <a:avLst/>
+          </a:prstGeom>
+        </p:spPr>
+        <p:txBody>
+          <a:bodyPr vert="horz" lIns="91440" tIns="45720" rIns="91440" bIns="45720" rtlCol="0" anchor="b"/>
+          <a:lstStyle>
+            <a:lvl1pPr algn="l">
+              <a:defRPr sz="1200"/>
+            </a:lvl1pPr>
+          </a:lstStyle>
+          <a:p>
+            <a:endParaRPr lang="en-CN"/>
+          </a:p>
+        </p:txBody>
+      </p:sp>
+      <p:sp>
+        <p:nvSpPr>
+          <p:cNvPr id="7" name="Slide Number Placeholder 6"/>
+          <p:cNvSpPr>
+            <a:spLocks noGrp="1"/>
+          </p:cNvSpPr>
+          <p:nvPr>
+            <p:ph type="sldNum" sz="quarter" idx="5"/>
+          </p:nvPr>
+        </p:nvSpPr>
+        <p:spPr>
+          <a:xfrm>
+            <a:off x="3884613" y="8685213"/>
+            <a:ext cx="2971800" cy="458787"/>
+          </a:xfrm>
+          <a:prstGeom prst="rect">
+            <a:avLst/>
+          </a:prstGeom>
+        </p:spPr>
+        <p:txBody>
+          <a:bodyPr vert="horz" lIns="91440" tIns="45720" rIns="91440" bIns="45720" rtlCol="0" anchor="b"/>
+          <a:lstStyle>
+            <a:lvl1pPr algn="r">
+              <a:defRPr sz="1200"/>
+            </a:lvl1pPr>
+          </a:lstStyle>
+          <a:p>
+            <a:fld id="{76B12BF5-16EB-354B-8F6C-9884985BD922}" type="slidenum">
+              <a:rPr lang="en-CN" smtClean="0"/>
+              <a:t>‹#›</a:t>
+            </a:fld>
+            <a:endParaRPr lang="en-CN"/>
+          </a:p>
+        </p:txBody>
+      </p:sp>
+    </p:spTree>
+    <p:extLst>
+      <p:ext uri="{BB962C8B-B14F-4D97-AF65-F5344CB8AC3E}">
+        <p14:creationId xmlns:p14="http://schemas.microsoft.com/office/powerpoint/2010/main" val="165251085"/>
+      </p:ext>
+    </p:extLst>
+  </p:cSld>
+  <p:clrMap bg1="lt1" tx1="dk1" bg2="lt2" tx2="dk2" accent1="accent1" accent2="accent2" accent3="accent3" accent4="accent4" accent5="accent5" accent6="accent6" hlink="hlink" folHlink="folHlink"/>
+  <p:notesStyle>
+    <a:lvl1pPr marL="0" algn="l" defTabSz="914400" rtl="0" eaLnBrk="1" latinLnBrk="0" hangingPunct="1">
+      <a:defRPr sz="1200" kern="1200">
+        <a:solidFill>
+          <a:schemeClr val="tx1"/>
+        </a:solidFill>
+        <a:latin typeface="+mn-lt"/>
+        <a:ea typeface="+mn-ea"/>
+        <a:cs typeface="+mn-cs"/>
+      </a:defRPr>
+    </a:lvl1pPr>
+    <a:lvl2pPr marL="457200" algn="l" defTabSz="914400" rtl="0" eaLnBrk="1" latinLnBrk="0" hangingPunct="1">
+      <a:defRPr sz="1200" kern="1200">
+        <a:solidFill>
+          <a:schemeClr val="tx1"/>
+        </a:solidFill>
+        <a:latin typeface="+mn-lt"/>
+        <a:ea typeface="+mn-ea"/>
+        <a:cs typeface="+mn-cs"/>
+      </a:defRPr>
+    </a:lvl2pPr>
+    <a:lvl3pPr marL="914400" algn="l" defTabSz="914400" rtl="0" eaLnBrk="1" latinLnBrk="0" hangingPunct="1">
+      <a:defRPr sz="1200" kern="1200">
+        <a:solidFill>
+          <a:schemeClr val="tx1"/>
+        </a:solidFill>
+        <a:latin typeface="+mn-lt"/>
+        <a:ea typeface="+mn-ea"/>
+        <a:cs typeface="+mn-cs"/>
+      </a:defRPr>
+    </a:lvl3pPr>
+    <a:lvl4pPr marL="1371600" algn="l" defTabSz="914400" rtl="0" eaLnBrk="1" latinLnBrk="0" hangingPunct="1">
+      <a:defRPr sz="1200" kern="1200">
+        <a:solidFill>
+          <a:schemeClr val="tx1"/>
+        </a:solidFill>
+        <a:latin typeface="+mn-lt"/>
+        <a:ea typeface="+mn-ea"/>
+        <a:cs typeface="+mn-cs"/>
+      </a:defRPr>
+    </a:lvl4pPr>
+    <a:lvl5pPr marL="1828800" algn="l" defTabSz="914400" rtl="0" eaLnBrk="1" latinLnBrk="0" hangingPunct="1">
+      <a:defRPr sz="1200" kern="1200">
+        <a:solidFill>
+          <a:schemeClr val="tx1"/>
+        </a:solidFill>
+        <a:latin typeface="+mn-lt"/>
+        <a:ea typeface="+mn-ea"/>
+        <a:cs typeface="+mn-cs"/>
+      </a:defRPr>
+    </a:lvl5pPr>
+    <a:lvl6pPr marL="2286000" algn="l" defTabSz="914400" rtl="0" eaLnBrk="1" latinLnBrk="0" hangingPunct="1">
+      <a:defRPr sz="1200" kern="1200">
+        <a:solidFill>
+          <a:schemeClr val="tx1"/>
+        </a:solidFill>
+        <a:latin typeface="+mn-lt"/>
+        <a:ea typeface="+mn-ea"/>
+        <a:cs typeface="+mn-cs"/>
+      </a:defRPr>
+    </a:lvl6pPr>
+    <a:lvl7pPr marL="2743200" algn="l" defTabSz="914400" rtl="0" eaLnBrk="1" latinLnBrk="0" hangingPunct="1">
+      <a:defRPr sz="1200" kern="1200">
+        <a:solidFill>
+          <a:schemeClr val="tx1"/>
+        </a:solidFill>
+        <a:latin typeface="+mn-lt"/>
+        <a:ea typeface="+mn-ea"/>
+        <a:cs typeface="+mn-cs"/>
+      </a:defRPr>
+    </a:lvl7pPr>
+    <a:lvl8pPr marL="3200400" algn="l" defTabSz="914400" rtl="0" eaLnBrk="1" latinLnBrk="0" hangingPunct="1">
+      <a:defRPr sz="1200" kern="1200">
+        <a:solidFill>
+          <a:schemeClr val="tx1"/>
+        </a:solidFill>
+        <a:latin typeface="+mn-lt"/>
+        <a:ea typeface="+mn-ea"/>
+        <a:cs typeface="+mn-cs"/>
+      </a:defRPr>
+    </a:lvl8pPr>
+    <a:lvl9pPr marL="3657600" algn="l" defTabSz="914400" rtl="0" eaLnBrk="1" latinLnBrk="0" hangingPunct="1">
+      <a:defRPr sz="1200" kern="1200">
+        <a:solidFill>
+          <a:schemeClr val="tx1"/>
+        </a:solidFill>
+        <a:latin typeface="+mn-lt"/>
+        <a:ea typeface="+mn-ea"/>
+        <a:cs typeface="+mn-cs"/>
+      </a:defRPr>
+    </a:lvl9pPr>
+  </p:notesStyle>
+</p:notesMaster>
+</file>
+
 <file path=ppt/slideLayouts/slideLayout1.xml><?xml version="1.0" encoding="utf-8"?>
 <p:sldLayout xmlns:a="http://schemas.openxmlformats.org/drawingml/2006/main" xmlns:r="http://schemas.openxmlformats.org/officeDocument/2006/relationships" xmlns:p="http://schemas.openxmlformats.org/presentationml/2006/main" type="title" preserve="1">
   <p:cSld name="Title Slide">
@@ -3422,9 +6620,9 @@
           <a:bodyPr/>
           <a:lstStyle/>
           <a:p>
-            <a:fld id="{2DFAC385-9B48-1E4A-8CEE-6B3668221311}" type="datetimeFigureOut">
-              <a:rPr lang="en-CN" smtClean="0"/>
-              <a:t>2025/11/19</a:t>
+            <a:fld id="{B2658EC5-7D5A-FB4C-92F0-E3D187BB6B0A}" type="datetime1">
+              <a:rPr lang="en-US" smtClean="0"/>
+              <a:t>12/9/25</a:t>
             </a:fld>
             <a:endParaRPr lang="en-CN"/>
           </a:p>
@@ -3622,9 +6820,9 @@
           <a:bodyPr/>
           <a:lstStyle/>
           <a:p>
-            <a:fld id="{2DFAC385-9B48-1E4A-8CEE-6B3668221311}" type="datetimeFigureOut">
-              <a:rPr lang="en-CN" smtClean="0"/>
-              <a:t>2025/11/19</a:t>
+            <a:fld id="{6BD77444-5E2F-DB4E-9C1A-7C2155064498}" type="datetime1">
+              <a:rPr lang="en-US" smtClean="0"/>
+              <a:t>12/9/25</a:t>
             </a:fld>
             <a:endParaRPr lang="en-CN"/>
           </a:p>
@@ -3832,9 +7030,9 @@
           <a:bodyPr/>
           <a:lstStyle/>
           <a:p>
-            <a:fld id="{2DFAC385-9B48-1E4A-8CEE-6B3668221311}" type="datetimeFigureOut">
-              <a:rPr lang="en-CN" smtClean="0"/>
-              <a:t>2025/11/19</a:t>
+            <a:fld id="{5C67CDC9-1D1D-CC4D-98A9-D3CF222FF3F8}" type="datetime1">
+              <a:rPr lang="en-US" smtClean="0"/>
+              <a:t>12/9/25</a:t>
             </a:fld>
             <a:endParaRPr lang="en-CN"/>
           </a:p>
@@ -4032,9 +7230,9 @@
           <a:bodyPr/>
           <a:lstStyle/>
           <a:p>
-            <a:fld id="{2DFAC385-9B48-1E4A-8CEE-6B3668221311}" type="datetimeFigureOut">
-              <a:rPr lang="en-CN" smtClean="0"/>
-              <a:t>2025/11/19</a:t>
+            <a:fld id="{3F16866C-60EF-9C49-AC1D-36666416E7FC}" type="datetime1">
+              <a:rPr lang="en-US" smtClean="0"/>
+              <a:t>12/9/25</a:t>
             </a:fld>
             <a:endParaRPr lang="en-CN"/>
           </a:p>
@@ -4308,9 +7506,9 @@
           <a:bodyPr/>
           <a:lstStyle/>
           <a:p>
-            <a:fld id="{2DFAC385-9B48-1E4A-8CEE-6B3668221311}" type="datetimeFigureOut">
-              <a:rPr lang="en-CN" smtClean="0"/>
-              <a:t>2025/11/19</a:t>
+            <a:fld id="{BFB1D569-A98F-C74A-98F8-24438DC16779}" type="datetime1">
+              <a:rPr lang="en-US" smtClean="0"/>
+              <a:t>12/9/25</a:t>
             </a:fld>
             <a:endParaRPr lang="en-CN"/>
           </a:p>
@@ -4576,9 +7774,9 @@
           <a:bodyPr/>
           <a:lstStyle/>
           <a:p>
-            <a:fld id="{2DFAC385-9B48-1E4A-8CEE-6B3668221311}" type="datetimeFigureOut">
-              <a:rPr lang="en-CN" smtClean="0"/>
-              <a:t>2025/11/19</a:t>
+            <a:fld id="{61391808-9579-234F-BBE9-F2BEB0DE4554}" type="datetime1">
+              <a:rPr lang="en-US" smtClean="0"/>
+              <a:t>12/9/25</a:t>
             </a:fld>
             <a:endParaRPr lang="en-CN"/>
           </a:p>
@@ -4991,9 +8189,9 @@
           <a:bodyPr/>
           <a:lstStyle/>
           <a:p>
-            <a:fld id="{2DFAC385-9B48-1E4A-8CEE-6B3668221311}" type="datetimeFigureOut">
-              <a:rPr lang="en-CN" smtClean="0"/>
-              <a:t>2025/11/19</a:t>
+            <a:fld id="{40F05012-9F76-5B4D-99C2-1AF7DE112661}" type="datetime1">
+              <a:rPr lang="en-US" smtClean="0"/>
+              <a:t>12/9/25</a:t>
             </a:fld>
             <a:endParaRPr lang="en-CN"/>
           </a:p>
@@ -5133,9 +8331,9 @@
           <a:bodyPr/>
           <a:lstStyle/>
           <a:p>
-            <a:fld id="{2DFAC385-9B48-1E4A-8CEE-6B3668221311}" type="datetimeFigureOut">
-              <a:rPr lang="en-CN" smtClean="0"/>
-              <a:t>2025/11/19</a:t>
+            <a:fld id="{294894EA-E5BD-CF45-B7C3-289ED5E0DB8D}" type="datetime1">
+              <a:rPr lang="en-US" smtClean="0"/>
+              <a:t>12/9/25</a:t>
             </a:fld>
             <a:endParaRPr lang="en-CN"/>
           </a:p>
@@ -5246,9 +8444,9 @@
           <a:bodyPr/>
           <a:lstStyle/>
           <a:p>
-            <a:fld id="{2DFAC385-9B48-1E4A-8CEE-6B3668221311}" type="datetimeFigureOut">
-              <a:rPr lang="en-CN" smtClean="0"/>
-              <a:t>2025/11/19</a:t>
+            <a:fld id="{329D284E-BB83-6541-9ECE-AFDFB055803C}" type="datetime1">
+              <a:rPr lang="en-US" smtClean="0"/>
+              <a:t>12/9/25</a:t>
             </a:fld>
             <a:endParaRPr lang="en-CN"/>
           </a:p>
@@ -5559,9 +8757,9 @@
           <a:bodyPr/>
           <a:lstStyle/>
           <a:p>
-            <a:fld id="{2DFAC385-9B48-1E4A-8CEE-6B3668221311}" type="datetimeFigureOut">
-              <a:rPr lang="en-CN" smtClean="0"/>
-              <a:t>2025/11/19</a:t>
+            <a:fld id="{DD37FC1C-913D-FF46-87FD-933A47F5491E}" type="datetime1">
+              <a:rPr lang="en-US" smtClean="0"/>
+              <a:t>12/9/25</a:t>
             </a:fld>
             <a:endParaRPr lang="en-CN"/>
           </a:p>
@@ -5848,9 +9046,9 @@
           <a:bodyPr/>
           <a:lstStyle/>
           <a:p>
-            <a:fld id="{2DFAC385-9B48-1E4A-8CEE-6B3668221311}" type="datetimeFigureOut">
-              <a:rPr lang="en-CN" smtClean="0"/>
-              <a:t>2025/11/19</a:t>
+            <a:fld id="{E6A14B78-7384-1446-AC5B-96E98FEF8955}" type="datetime1">
+              <a:rPr lang="en-US" smtClean="0"/>
+              <a:t>12/9/25</a:t>
             </a:fld>
             <a:endParaRPr lang="en-CN"/>
           </a:p>
@@ -6091,9 +9289,9 @@
             </a:lvl1pPr>
           </a:lstStyle>
           <a:p>
-            <a:fld id="{2DFAC385-9B48-1E4A-8CEE-6B3668221311}" type="datetimeFigureOut">
-              <a:rPr lang="en-CN" smtClean="0"/>
-              <a:t>2025/11/19</a:t>
+            <a:fld id="{776A6832-2098-C544-AFCE-5093BA9E0423}" type="datetime1">
+              <a:rPr lang="en-US" smtClean="0"/>
+              <a:t>12/9/25</a:t>
             </a:fld>
             <a:endParaRPr lang="en-CN"/>
           </a:p>
@@ -6210,6 +9408,7 @@
     <p:sldLayoutId id="2147483658" r:id="rId10"/>
     <p:sldLayoutId id="2147483659" r:id="rId11"/>
   </p:sldLayoutIdLst>
+  <p:hf hdr="0" ftr="0" dt="0"/>
   <p:txStyles>
     <p:titleStyle>
       <a:lvl1pPr algn="l" defTabSz="914400" rtl="0" eaLnBrk="1" latinLnBrk="0" hangingPunct="1">
@@ -6885,6 +10084,35 @@
           </a:p>
         </p:txBody>
       </p:sp>
+      <p:sp>
+        <p:nvSpPr>
+          <p:cNvPr id="5" name="Slide Number Placeholder 4">
+            <a:extLst>
+              <a:ext uri="{FF2B5EF4-FFF2-40B4-BE49-F238E27FC236}">
+                <a16:creationId xmlns:a16="http://schemas.microsoft.com/office/drawing/2014/main" id="{EE53A0C3-4F0E-5BD5-0F50-5185C7BF4975}"/>
+              </a:ext>
+            </a:extLst>
+          </p:cNvPr>
+          <p:cNvSpPr>
+            <a:spLocks noGrp="1"/>
+          </p:cNvSpPr>
+          <p:nvPr>
+            <p:ph type="sldNum" sz="quarter" idx="12"/>
+          </p:nvPr>
+        </p:nvSpPr>
+        <p:spPr/>
+        <p:txBody>
+          <a:bodyPr/>
+          <a:lstStyle/>
+          <a:p>
+            <a:fld id="{2AB07336-9778-C844-BF2A-51FFB4A78CB7}" type="slidenum">
+              <a:rPr lang="en-CN" smtClean="0"/>
+              <a:t>1</a:t>
+            </a:fld>
+            <a:endParaRPr lang="en-CN"/>
+          </a:p>
+        </p:txBody>
+      </p:sp>
     </p:spTree>
     <p:extLst>
       <p:ext uri="{BB962C8B-B14F-4D97-AF65-F5344CB8AC3E}">
@@ -7389,6 +10617,35 @@
           </a:prstGeom>
         </p:spPr>
       </p:pic>
+      <p:sp>
+        <p:nvSpPr>
+          <p:cNvPr id="6" name="Slide Number Placeholder 5">
+            <a:extLst>
+              <a:ext uri="{FF2B5EF4-FFF2-40B4-BE49-F238E27FC236}">
+                <a16:creationId xmlns:a16="http://schemas.microsoft.com/office/drawing/2014/main" id="{894A215A-8245-2519-CEE7-99AEC43E24E0}"/>
+              </a:ext>
+            </a:extLst>
+          </p:cNvPr>
+          <p:cNvSpPr>
+            <a:spLocks noGrp="1"/>
+          </p:cNvSpPr>
+          <p:nvPr>
+            <p:ph type="sldNum" sz="quarter" idx="12"/>
+          </p:nvPr>
+        </p:nvSpPr>
+        <p:spPr/>
+        <p:txBody>
+          <a:bodyPr/>
+          <a:lstStyle/>
+          <a:p>
+            <a:fld id="{2AB07336-9778-C844-BF2A-51FFB4A78CB7}" type="slidenum">
+              <a:rPr lang="en-CN" smtClean="0"/>
+              <a:t>2</a:t>
+            </a:fld>
+            <a:endParaRPr lang="en-CN"/>
+          </a:p>
+        </p:txBody>
+      </p:sp>
     </p:spTree>
     <p:extLst>
       <p:ext uri="{BB962C8B-B14F-4D97-AF65-F5344CB8AC3E}">
@@ -7822,6 +11079,35 @@
           </a:p>
         </p:txBody>
       </p:sp>
+      <p:sp>
+        <p:nvSpPr>
+          <p:cNvPr id="6" name="Slide Number Placeholder 5">
+            <a:extLst>
+              <a:ext uri="{FF2B5EF4-FFF2-40B4-BE49-F238E27FC236}">
+                <a16:creationId xmlns:a16="http://schemas.microsoft.com/office/drawing/2014/main" id="{4AC74C31-74D2-37F7-B0E8-C42100CFE359}"/>
+              </a:ext>
+            </a:extLst>
+          </p:cNvPr>
+          <p:cNvSpPr>
+            <a:spLocks noGrp="1"/>
+          </p:cNvSpPr>
+          <p:nvPr>
+            <p:ph type="sldNum" sz="quarter" idx="12"/>
+          </p:nvPr>
+        </p:nvSpPr>
+        <p:spPr/>
+        <p:txBody>
+          <a:bodyPr/>
+          <a:lstStyle/>
+          <a:p>
+            <a:fld id="{2AB07336-9778-C844-BF2A-51FFB4A78CB7}" type="slidenum">
+              <a:rPr lang="en-CN" smtClean="0"/>
+              <a:t>3</a:t>
+            </a:fld>
+            <a:endParaRPr lang="en-CN"/>
+          </a:p>
+        </p:txBody>
+      </p:sp>
     </p:spTree>
     <p:extLst>
       <p:ext uri="{BB962C8B-B14F-4D97-AF65-F5344CB8AC3E}">
@@ -8475,6 +11761,35 @@
           </a:prstGeom>
         </p:spPr>
       </p:pic>
+      <p:sp>
+        <p:nvSpPr>
+          <p:cNvPr id="8" name="Slide Number Placeholder 7">
+            <a:extLst>
+              <a:ext uri="{FF2B5EF4-FFF2-40B4-BE49-F238E27FC236}">
+                <a16:creationId xmlns:a16="http://schemas.microsoft.com/office/drawing/2014/main" id="{69381CBA-37F0-A1F6-E358-54700AC1D75F}"/>
+              </a:ext>
+            </a:extLst>
+          </p:cNvPr>
+          <p:cNvSpPr>
+            <a:spLocks noGrp="1"/>
+          </p:cNvSpPr>
+          <p:nvPr>
+            <p:ph type="sldNum" sz="quarter" idx="12"/>
+          </p:nvPr>
+        </p:nvSpPr>
+        <p:spPr/>
+        <p:txBody>
+          <a:bodyPr/>
+          <a:lstStyle/>
+          <a:p>
+            <a:fld id="{2AB07336-9778-C844-BF2A-51FFB4A78CB7}" type="slidenum">
+              <a:rPr lang="en-CN" smtClean="0"/>
+              <a:t>4</a:t>
+            </a:fld>
+            <a:endParaRPr lang="en-CN"/>
+          </a:p>
+        </p:txBody>
+      </p:sp>
     </p:spTree>
     <p:extLst>
       <p:ext uri="{BB962C8B-B14F-4D97-AF65-F5344CB8AC3E}">
@@ -8515,7 +11830,7 @@
       </p:grpSpPr>
       <p:sp>
         <p:nvSpPr>
-          <p:cNvPr id="10" name="Down Arrow 7">
+          <p:cNvPr id="15" name="Down Arrow 7">
             <a:extLst>
               <a:ext uri="{FF2B5EF4-FFF2-40B4-BE49-F238E27FC236}">
                 <a16:creationId xmlns:a16="http://schemas.microsoft.com/office/drawing/2014/main" id="{D4771268-CB57-404A-9271-370EB28F6090}"/>
@@ -8644,10 +11959,10 @@
       </p:sp>
       <p:pic>
         <p:nvPicPr>
-          <p:cNvPr id="5" name="Content Placeholder 4" descr="A screenshot of a computer program&#10;&#10;AI-generated content may be incorrect.">
+          <p:cNvPr id="7" name="Content Placeholder 6" descr="A screenshot of a computer program&#10;&#10;AI-generated content may be incorrect.">
             <a:extLst>
               <a:ext uri="{FF2B5EF4-FFF2-40B4-BE49-F238E27FC236}">
-                <a16:creationId xmlns:a16="http://schemas.microsoft.com/office/drawing/2014/main" id="{399BF6A1-5375-FF11-EFBB-082D30F09A20}"/>
+                <a16:creationId xmlns:a16="http://schemas.microsoft.com/office/drawing/2014/main" id="{DC41FB4E-13BB-5E5F-FF8E-F8AAD4EE9D12}"/>
               </a:ext>
             </a:extLst>
           </p:cNvPr>
@@ -8666,14 +11981,43 @@
         </p:blipFill>
         <p:spPr>
           <a:xfrm>
-            <a:off x="5169605" y="643466"/>
-            <a:ext cx="5996122" cy="5568739"/>
+            <a:off x="4777316" y="1410577"/>
+            <a:ext cx="6780700" cy="4034516"/>
           </a:xfrm>
           <a:prstGeom prst="rect">
             <a:avLst/>
           </a:prstGeom>
         </p:spPr>
       </p:pic>
+      <p:sp>
+        <p:nvSpPr>
+          <p:cNvPr id="9" name="Slide Number Placeholder 8">
+            <a:extLst>
+              <a:ext uri="{FF2B5EF4-FFF2-40B4-BE49-F238E27FC236}">
+                <a16:creationId xmlns:a16="http://schemas.microsoft.com/office/drawing/2014/main" id="{38F033C7-3C2B-32A3-5F8F-ACC87CB7F8F6}"/>
+              </a:ext>
+            </a:extLst>
+          </p:cNvPr>
+          <p:cNvSpPr>
+            <a:spLocks noGrp="1"/>
+          </p:cNvSpPr>
+          <p:nvPr>
+            <p:ph type="sldNum" sz="quarter" idx="12"/>
+          </p:nvPr>
+        </p:nvSpPr>
+        <p:spPr/>
+        <p:txBody>
+          <a:bodyPr/>
+          <a:lstStyle/>
+          <a:p>
+            <a:fld id="{2AB07336-9778-C844-BF2A-51FFB4A78CB7}" type="slidenum">
+              <a:rPr lang="en-CN" smtClean="0"/>
+              <a:t>5</a:t>
+            </a:fld>
+            <a:endParaRPr lang="en-CN"/>
+          </a:p>
+        </p:txBody>
+      </p:sp>
     </p:spTree>
     <p:extLst>
       <p:ext uri="{BB962C8B-B14F-4D97-AF65-F5344CB8AC3E}">
@@ -8688,6 +12032,128 @@
 </file>
 
 <file path=ppt/slides/slide6.xml><?xml version="1.0" encoding="utf-8"?>
+<p:sld xmlns:a="http://schemas.openxmlformats.org/drawingml/2006/main" xmlns:r="http://schemas.openxmlformats.org/officeDocument/2006/relationships" xmlns:p="http://schemas.openxmlformats.org/presentationml/2006/main">
+  <p:cSld>
+    <p:spTree>
+      <p:nvGrpSpPr>
+        <p:cNvPr id="1" name=""/>
+        <p:cNvGrpSpPr/>
+        <p:nvPr/>
+      </p:nvGrpSpPr>
+      <p:grpSpPr>
+        <a:xfrm>
+          <a:off x="0" y="0"/>
+          <a:ext cx="0" cy="0"/>
+          <a:chOff x="0" y="0"/>
+          <a:chExt cx="0" cy="0"/>
+        </a:xfrm>
+      </p:grpSpPr>
+      <p:sp>
+        <p:nvSpPr>
+          <p:cNvPr id="2" name="Title 1">
+            <a:extLst>
+              <a:ext uri="{FF2B5EF4-FFF2-40B4-BE49-F238E27FC236}">
+                <a16:creationId xmlns:a16="http://schemas.microsoft.com/office/drawing/2014/main" id="{4E586D6E-8419-6EB4-A329-5CE91F79B3D7}"/>
+              </a:ext>
+            </a:extLst>
+          </p:cNvPr>
+          <p:cNvSpPr>
+            <a:spLocks noGrp="1"/>
+          </p:cNvSpPr>
+          <p:nvPr>
+            <p:ph type="title"/>
+          </p:nvPr>
+        </p:nvSpPr>
+        <p:spPr/>
+        <p:txBody>
+          <a:bodyPr/>
+          <a:lstStyle/>
+          <a:p>
+            <a:r>
+              <a:rPr lang="en-US" altLang="zh-CN" dirty="0"/>
+              <a:t>Current</a:t>
+            </a:r>
+            <a:r>
+              <a:rPr lang="zh-CN" altLang="en-US" dirty="0"/>
+              <a:t> </a:t>
+            </a:r>
+            <a:r>
+              <a:rPr lang="en-US" altLang="zh-CN" dirty="0"/>
+              <a:t>Status</a:t>
+            </a:r>
+            <a:endParaRPr lang="en-CN" dirty="0"/>
+          </a:p>
+        </p:txBody>
+      </p:sp>
+      <p:graphicFrame>
+        <p:nvGraphicFramePr>
+          <p:cNvPr id="7" name="Content Placeholder 2">
+            <a:extLst>
+              <a:ext uri="{FF2B5EF4-FFF2-40B4-BE49-F238E27FC236}">
+                <a16:creationId xmlns:a16="http://schemas.microsoft.com/office/drawing/2014/main" id="{1456AED3-A398-5907-A050-828105539A3C}"/>
+              </a:ext>
+            </a:extLst>
+          </p:cNvPr>
+          <p:cNvGraphicFramePr>
+            <a:graphicFrameLocks noGrp="1"/>
+          </p:cNvGraphicFramePr>
+          <p:nvPr>
+            <p:ph idx="1"/>
+          </p:nvPr>
+        </p:nvGraphicFramePr>
+        <p:xfrm>
+          <a:off x="838200" y="1825625"/>
+          <a:ext cx="10515600" cy="4351338"/>
+        </p:xfrm>
+        <a:graphic>
+          <a:graphicData uri="http://schemas.openxmlformats.org/drawingml/2006/diagram">
+            <dgm:relIds xmlns:dgm="http://schemas.openxmlformats.org/drawingml/2006/diagram" xmlns:r="http://schemas.openxmlformats.org/officeDocument/2006/relationships" r:dm="rId2" r:lo="rId3" r:qs="rId4" r:cs="rId5"/>
+          </a:graphicData>
+        </a:graphic>
+      </p:graphicFrame>
+      <p:sp>
+        <p:nvSpPr>
+          <p:cNvPr id="5" name="Slide Number Placeholder 4">
+            <a:extLst>
+              <a:ext uri="{FF2B5EF4-FFF2-40B4-BE49-F238E27FC236}">
+                <a16:creationId xmlns:a16="http://schemas.microsoft.com/office/drawing/2014/main" id="{DF8FC2D4-8E44-5526-3633-7A5853C79307}"/>
+              </a:ext>
+            </a:extLst>
+          </p:cNvPr>
+          <p:cNvSpPr>
+            <a:spLocks noGrp="1"/>
+          </p:cNvSpPr>
+          <p:nvPr>
+            <p:ph type="sldNum" sz="quarter" idx="12"/>
+          </p:nvPr>
+        </p:nvSpPr>
+        <p:spPr/>
+        <p:txBody>
+          <a:bodyPr/>
+          <a:lstStyle/>
+          <a:p>
+            <a:fld id="{2AB07336-9778-C844-BF2A-51FFB4A78CB7}" type="slidenum">
+              <a:rPr lang="en-CN" smtClean="0"/>
+              <a:t>6</a:t>
+            </a:fld>
+            <a:endParaRPr lang="en-CN"/>
+          </a:p>
+        </p:txBody>
+      </p:sp>
+    </p:spTree>
+    <p:extLst>
+      <p:ext uri="{BB962C8B-B14F-4D97-AF65-F5344CB8AC3E}">
+        <p14:creationId xmlns:p14="http://schemas.microsoft.com/office/powerpoint/2010/main" val="712143251"/>
+      </p:ext>
+    </p:extLst>
+  </p:cSld>
+  <p:clrMapOvr>
+    <a:masterClrMapping/>
+  </p:clrMapOvr>
+</p:sld>
+</file>
+
+<file path=ppt/slides/slide7.xml><?xml version="1.0" encoding="utf-8"?>
 <p:sld xmlns:a="http://schemas.openxmlformats.org/drawingml/2006/main" xmlns:r="http://schemas.openxmlformats.org/officeDocument/2006/relationships" xmlns:p="http://schemas.openxmlformats.org/presentationml/2006/main">
   <p:cSld>
     <p:bg>
@@ -9043,7 +12509,7 @@
           <a:lstStyle/>
           <a:p>
             <a:r>
-              <a:rPr lang="en-US" altLang="zh-CN" sz="4000">
+              <a:rPr lang="en-US" altLang="zh-CN" sz="4000" dirty="0">
                 <a:solidFill>
                   <a:srgbClr val="FFFFFF"/>
                 </a:solidFill>
@@ -9051,7 +12517,7 @@
               <a:t>Next</a:t>
             </a:r>
             <a:r>
-              <a:rPr lang="zh-CN" altLang="en-US" sz="4000">
+              <a:rPr lang="zh-CN" altLang="en-US" sz="4000" dirty="0">
                 <a:solidFill>
                   <a:srgbClr val="FFFFFF"/>
                 </a:solidFill>
@@ -9059,14 +12525,14 @@
               <a:t> </a:t>
             </a:r>
             <a:r>
-              <a:rPr lang="en-US" altLang="zh-CN" sz="4000">
+              <a:rPr lang="en-US" altLang="zh-CN" sz="4000" dirty="0">
                 <a:solidFill>
                   <a:srgbClr val="FFFFFF"/>
                 </a:solidFill>
               </a:rPr>
               <a:t>steps?</a:t>
             </a:r>
-            <a:endParaRPr lang="en-CN" sz="4000">
+            <a:endParaRPr lang="en-CN" sz="4000" dirty="0">
               <a:solidFill>
                 <a:srgbClr val="FFFFFF"/>
               </a:solidFill>
@@ -9090,7 +12556,7 @@
             <p:ph idx="1"/>
             <p:extLst>
               <p:ext uri="{D42A27DB-BD31-4B8C-83A1-F6EECF244321}">
-                <p14:modId xmlns:p14="http://schemas.microsoft.com/office/powerpoint/2010/main" val="2422720726"/>
+                <p14:modId xmlns:p14="http://schemas.microsoft.com/office/powerpoint/2010/main" val="1693218410"/>
               </p:ext>
             </p:extLst>
           </p:nvPr>
@@ -9105,6 +12571,35 @@
           </a:graphicData>
         </a:graphic>
       </p:graphicFrame>
+      <p:sp>
+        <p:nvSpPr>
+          <p:cNvPr id="4" name="Slide Number Placeholder 3">
+            <a:extLst>
+              <a:ext uri="{FF2B5EF4-FFF2-40B4-BE49-F238E27FC236}">
+                <a16:creationId xmlns:a16="http://schemas.microsoft.com/office/drawing/2014/main" id="{57162029-3A21-7E0F-6BF2-826DBE6E665C}"/>
+              </a:ext>
+            </a:extLst>
+          </p:cNvPr>
+          <p:cNvSpPr>
+            <a:spLocks noGrp="1"/>
+          </p:cNvSpPr>
+          <p:nvPr>
+            <p:ph type="sldNum" sz="quarter" idx="12"/>
+          </p:nvPr>
+        </p:nvSpPr>
+        <p:spPr/>
+        <p:txBody>
+          <a:bodyPr/>
+          <a:lstStyle/>
+          <a:p>
+            <a:fld id="{2AB07336-9778-C844-BF2A-51FFB4A78CB7}" type="slidenum">
+              <a:rPr lang="en-CN" smtClean="0"/>
+              <a:t>7</a:t>
+            </a:fld>
+            <a:endParaRPr lang="en-CN"/>
+          </a:p>
+        </p:txBody>
+      </p:sp>
     </p:spTree>
     <p:extLst>
       <p:ext uri="{BB962C8B-B14F-4D97-AF65-F5344CB8AC3E}">
@@ -9431,4 +12926,319 @@
     </a:ext>
   </a:extLst>
 </a:theme>
+</file>
+
+<file path=ppt/theme/theme2.xml><?xml version="1.0" encoding="utf-8"?>
+<a:theme xmlns:a="http://schemas.openxmlformats.org/drawingml/2006/main" name="Office Theme">
+  <a:themeElements>
+    <a:clrScheme name="Office">
+      <a:dk1>
+        <a:sysClr val="windowText" lastClr="000000"/>
+      </a:dk1>
+      <a:lt1>
+        <a:sysClr val="window" lastClr="FFFFFF"/>
+      </a:lt1>
+      <a:dk2>
+        <a:srgbClr val="0E2841"/>
+      </a:dk2>
+      <a:lt2>
+        <a:srgbClr val="E8E8E8"/>
+      </a:lt2>
+      <a:accent1>
+        <a:srgbClr val="156082"/>
+      </a:accent1>
+      <a:accent2>
+        <a:srgbClr val="E97132"/>
+      </a:accent2>
+      <a:accent3>
+        <a:srgbClr val="196B24"/>
+      </a:accent3>
+      <a:accent4>
+        <a:srgbClr val="0F9ED5"/>
+      </a:accent4>
+      <a:accent5>
+        <a:srgbClr val="A02B93"/>
+      </a:accent5>
+      <a:accent6>
+        <a:srgbClr val="4EA72E"/>
+      </a:accent6>
+      <a:hlink>
+        <a:srgbClr val="467886"/>
+      </a:hlink>
+      <a:folHlink>
+        <a:srgbClr val="96607D"/>
+      </a:folHlink>
+    </a:clrScheme>
+    <a:fontScheme name="Office">
+      <a:majorFont>
+        <a:latin typeface="Aptos Display" panose="02110004020202020204"/>
+        <a:ea typeface=""/>
+        <a:cs typeface=""/>
+        <a:font script="Jpan" typeface="游ゴシック Light"/>
+        <a:font script="Hang" typeface="맑은 고딕"/>
+        <a:font script="Hans" typeface="等线 Light"/>
+        <a:font script="Hant" typeface="新細明體"/>
+        <a:font script="Arab" typeface="Times New Roman"/>
+        <a:font script="Hebr" typeface="Times New Roman"/>
+        <a:font script="Thai" typeface="Angsana New"/>
+        <a:font script="Ethi" typeface="Nyala"/>
+        <a:font script="Beng" typeface="Vrinda"/>
+        <a:font script="Gujr" typeface="Shruti"/>
+        <a:font script="Khmr" typeface="MoolBoran"/>
+        <a:font script="Knda" typeface="Tunga"/>
+        <a:font script="Guru" typeface="Raavi"/>
+        <a:font script="Cans" typeface="Euphemia"/>
+        <a:font script="Cher" typeface="Plantagenet Cherokee"/>
+        <a:font script="Yiii" typeface="Microsoft Yi Baiti"/>
+        <a:font script="Tibt" typeface="Microsoft Himalaya"/>
+        <a:font script="Thaa" typeface="MV Boli"/>
+        <a:font script="Deva" typeface="Mangal"/>
+        <a:font script="Telu" typeface="Gautami"/>
+        <a:font script="Taml" typeface="Latha"/>
+        <a:font script="Syrc" typeface="Estrangelo Edessa"/>
+        <a:font script="Orya" typeface="Kalinga"/>
+        <a:font script="Mlym" typeface="Kartika"/>
+        <a:font script="Laoo" typeface="DokChampa"/>
+        <a:font script="Sinh" typeface="Iskoola Pota"/>
+        <a:font script="Mong" typeface="Mongolian Baiti"/>
+        <a:font script="Viet" typeface="Times New Roman"/>
+        <a:font script="Uigh" typeface="Microsoft Uighur"/>
+        <a:font script="Geor" typeface="Sylfaen"/>
+        <a:font script="Armn" typeface="Arial"/>
+        <a:font script="Bugi" typeface="Leelawadee UI"/>
+        <a:font script="Bopo" typeface="Microsoft JhengHei"/>
+        <a:font script="Java" typeface="Javanese Text"/>
+        <a:font script="Lisu" typeface="Segoe UI"/>
+        <a:font script="Mymr" typeface="Myanmar Text"/>
+        <a:font script="Nkoo" typeface="Ebrima"/>
+        <a:font script="Olck" typeface="Nirmala UI"/>
+        <a:font script="Osma" typeface="Ebrima"/>
+        <a:font script="Phag" typeface="Phagspa"/>
+        <a:font script="Syrn" typeface="Estrangelo Edessa"/>
+        <a:font script="Syrj" typeface="Estrangelo Edessa"/>
+        <a:font script="Syre" typeface="Estrangelo Edessa"/>
+        <a:font script="Sora" typeface="Nirmala UI"/>
+        <a:font script="Tale" typeface="Microsoft Tai Le"/>
+        <a:font script="Talu" typeface="Microsoft New Tai Lue"/>
+        <a:font script="Tfng" typeface="Ebrima"/>
+      </a:majorFont>
+      <a:minorFont>
+        <a:latin typeface="Aptos" panose="02110004020202020204"/>
+        <a:ea typeface=""/>
+        <a:cs typeface=""/>
+        <a:font script="Jpan" typeface="游ゴシック"/>
+        <a:font script="Hang" typeface="맑은 고딕"/>
+        <a:font script="Hans" typeface="等线"/>
+        <a:font script="Hant" typeface="新細明體"/>
+        <a:font script="Arab" typeface="Arial"/>
+        <a:font script="Hebr" typeface="Arial"/>
+        <a:font script="Thai" typeface="Cordia New"/>
+        <a:font script="Ethi" typeface="Nyala"/>
+        <a:font script="Beng" typeface="Vrinda"/>
+        <a:font script="Gujr" typeface="Shruti"/>
+        <a:font script="Khmr" typeface="DaunPenh"/>
+        <a:font script="Knda" typeface="Tunga"/>
+        <a:font script="Guru" typeface="Raavi"/>
+        <a:font script="Cans" typeface="Euphemia"/>
+        <a:font script="Cher" typeface="Plantagenet Cherokee"/>
+        <a:font script="Yiii" typeface="Microsoft Yi Baiti"/>
+        <a:font script="Tibt" typeface="Microsoft Himalaya"/>
+        <a:font script="Thaa" typeface="MV Boli"/>
+        <a:font script="Deva" typeface="Mangal"/>
+        <a:font script="Telu" typeface="Gautami"/>
+        <a:font script="Taml" typeface="Latha"/>
+        <a:font script="Syrc" typeface="Estrangelo Edessa"/>
+        <a:font script="Orya" typeface="Kalinga"/>
+        <a:font script="Mlym" typeface="Kartika"/>
+        <a:font script="Laoo" typeface="DokChampa"/>
+        <a:font script="Sinh" typeface="Iskoola Pota"/>
+        <a:font script="Mong" typeface="Mongolian Baiti"/>
+        <a:font script="Viet" typeface="Arial"/>
+        <a:font script="Uigh" typeface="Microsoft Uighur"/>
+        <a:font script="Geor" typeface="Sylfaen"/>
+        <a:font script="Armn" typeface="Arial"/>
+        <a:font script="Bugi" typeface="Leelawadee UI"/>
+        <a:font script="Bopo" typeface="Microsoft JhengHei"/>
+        <a:font script="Java" typeface="Javanese Text"/>
+        <a:font script="Lisu" typeface="Segoe UI"/>
+        <a:font script="Mymr" typeface="Myanmar Text"/>
+        <a:font script="Nkoo" typeface="Ebrima"/>
+        <a:font script="Olck" typeface="Nirmala UI"/>
+        <a:font script="Osma" typeface="Ebrima"/>
+        <a:font script="Phag" typeface="Phagspa"/>
+        <a:font script="Syrn" typeface="Estrangelo Edessa"/>
+        <a:font script="Syrj" typeface="Estrangelo Edessa"/>
+        <a:font script="Syre" typeface="Estrangelo Edessa"/>
+        <a:font script="Sora" typeface="Nirmala UI"/>
+        <a:font script="Tale" typeface="Microsoft Tai Le"/>
+        <a:font script="Talu" typeface="Microsoft New Tai Lue"/>
+        <a:font script="Tfng" typeface="Ebrima"/>
+      </a:minorFont>
+    </a:fontScheme>
+    <a:fmtScheme name="Office">
+      <a:fillStyleLst>
+        <a:solidFill>
+          <a:schemeClr val="phClr"/>
+        </a:solidFill>
+        <a:gradFill rotWithShape="1">
+          <a:gsLst>
+            <a:gs pos="0">
+              <a:schemeClr val="phClr">
+                <a:lumMod val="110000"/>
+                <a:satMod val="105000"/>
+                <a:tint val="67000"/>
+              </a:schemeClr>
+            </a:gs>
+            <a:gs pos="50000">
+              <a:schemeClr val="phClr">
+                <a:lumMod val="105000"/>
+                <a:satMod val="103000"/>
+                <a:tint val="73000"/>
+              </a:schemeClr>
+            </a:gs>
+            <a:gs pos="100000">
+              <a:schemeClr val="phClr">
+                <a:lumMod val="105000"/>
+                <a:satMod val="109000"/>
+                <a:tint val="81000"/>
+              </a:schemeClr>
+            </a:gs>
+          </a:gsLst>
+          <a:lin ang="5400000" scaled="0"/>
+        </a:gradFill>
+        <a:gradFill rotWithShape="1">
+          <a:gsLst>
+            <a:gs pos="0">
+              <a:schemeClr val="phClr">
+                <a:satMod val="103000"/>
+                <a:lumMod val="102000"/>
+                <a:tint val="94000"/>
+              </a:schemeClr>
+            </a:gs>
+            <a:gs pos="50000">
+              <a:schemeClr val="phClr">
+                <a:satMod val="110000"/>
+                <a:lumMod val="100000"/>
+                <a:shade val="100000"/>
+              </a:schemeClr>
+            </a:gs>
+            <a:gs pos="100000">
+              <a:schemeClr val="phClr">
+                <a:lumMod val="99000"/>
+                <a:satMod val="120000"/>
+                <a:shade val="78000"/>
+              </a:schemeClr>
+            </a:gs>
+          </a:gsLst>
+          <a:lin ang="5400000" scaled="0"/>
+        </a:gradFill>
+      </a:fillStyleLst>
+      <a:lnStyleLst>
+        <a:ln w="12700" cap="flat" cmpd="sng" algn="ctr">
+          <a:solidFill>
+            <a:schemeClr val="phClr"/>
+          </a:solidFill>
+          <a:prstDash val="solid"/>
+          <a:miter lim="800000"/>
+        </a:ln>
+        <a:ln w="19050" cap="flat" cmpd="sng" algn="ctr">
+          <a:solidFill>
+            <a:schemeClr val="phClr"/>
+          </a:solidFill>
+          <a:prstDash val="solid"/>
+          <a:miter lim="800000"/>
+        </a:ln>
+        <a:ln w="25400" cap="flat" cmpd="sng" algn="ctr">
+          <a:solidFill>
+            <a:schemeClr val="phClr"/>
+          </a:solidFill>
+          <a:prstDash val="solid"/>
+          <a:miter lim="800000"/>
+        </a:ln>
+      </a:lnStyleLst>
+      <a:effectStyleLst>
+        <a:effectStyle>
+          <a:effectLst/>
+        </a:effectStyle>
+        <a:effectStyle>
+          <a:effectLst/>
+        </a:effectStyle>
+        <a:effectStyle>
+          <a:effectLst>
+            <a:outerShdw blurRad="57150" dist="19050" dir="5400000" algn="ctr" rotWithShape="0">
+              <a:srgbClr val="000000">
+                <a:alpha val="63000"/>
+              </a:srgbClr>
+            </a:outerShdw>
+          </a:effectLst>
+        </a:effectStyle>
+      </a:effectStyleLst>
+      <a:bgFillStyleLst>
+        <a:solidFill>
+          <a:schemeClr val="phClr"/>
+        </a:solidFill>
+        <a:solidFill>
+          <a:schemeClr val="phClr">
+            <a:tint val="95000"/>
+            <a:satMod val="170000"/>
+          </a:schemeClr>
+        </a:solidFill>
+        <a:gradFill rotWithShape="1">
+          <a:gsLst>
+            <a:gs pos="0">
+              <a:schemeClr val="phClr">
+                <a:tint val="93000"/>
+                <a:satMod val="150000"/>
+                <a:shade val="98000"/>
+                <a:lumMod val="102000"/>
+              </a:schemeClr>
+            </a:gs>
+            <a:gs pos="50000">
+              <a:schemeClr val="phClr">
+                <a:tint val="98000"/>
+                <a:satMod val="130000"/>
+                <a:shade val="90000"/>
+                <a:lumMod val="103000"/>
+              </a:schemeClr>
+            </a:gs>
+            <a:gs pos="100000">
+              <a:schemeClr val="phClr">
+                <a:shade val="63000"/>
+                <a:satMod val="120000"/>
+              </a:schemeClr>
+            </a:gs>
+          </a:gsLst>
+          <a:lin ang="5400000" scaled="0"/>
+        </a:gradFill>
+      </a:bgFillStyleLst>
+    </a:fmtScheme>
+  </a:themeElements>
+  <a:objectDefaults>
+    <a:lnDef>
+      <a:spPr/>
+      <a:bodyPr/>
+      <a:lstStyle/>
+      <a:style>
+        <a:lnRef idx="2">
+          <a:schemeClr val="accent1"/>
+        </a:lnRef>
+        <a:fillRef idx="0">
+          <a:schemeClr val="accent1"/>
+        </a:fillRef>
+        <a:effectRef idx="1">
+          <a:schemeClr val="accent1"/>
+        </a:effectRef>
+        <a:fontRef idx="minor">
+          <a:schemeClr val="tx1"/>
+        </a:fontRef>
+      </a:style>
+    </a:lnDef>
+  </a:objectDefaults>
+  <a:extraClrSchemeLst/>
+  <a:extLst>
+    <a:ext uri="{05A4C25C-085E-4340-85A3-A5531E510DB2}">
+      <thm15:themeFamily xmlns:thm15="http://schemas.microsoft.com/office/thememl/2012/main" name="Office Theme" id="{2E142A2C-CD16-42D6-873A-C26D2A0506FA}" vid="{1BDDFF52-6CD6-40A5-AB3C-68EB2F1E4D0A}"/>
+    </a:ext>
+  </a:extLst>
+</a:theme>
 </file>